--- a/slides/Apache CXF, Tika and Lucene.pptx
+++ b/slides/Apache CXF, Tika and Lucene.pptx
@@ -5,7 +5,7 @@
     <p:sldMasterId id="2147483648" r:id="rId1"/>
   </p:sldMasterIdLst>
   <p:notesMasterIdLst>
-    <p:notesMasterId r:id="rId30"/>
+    <p:notesMasterId r:id="rId31"/>
   </p:notesMasterIdLst>
   <p:sldIdLst>
     <p:sldId id="256" r:id="rId2"/>
@@ -32,10 +32,11 @@
     <p:sldId id="283" r:id="rId23"/>
     <p:sldId id="286" r:id="rId24"/>
     <p:sldId id="282" r:id="rId25"/>
-    <p:sldId id="284" r:id="rId26"/>
-    <p:sldId id="279" r:id="rId27"/>
-    <p:sldId id="265" r:id="rId28"/>
-    <p:sldId id="264" r:id="rId29"/>
+    <p:sldId id="288" r:id="rId26"/>
+    <p:sldId id="284" r:id="rId27"/>
+    <p:sldId id="279" r:id="rId28"/>
+    <p:sldId id="265" r:id="rId29"/>
+    <p:sldId id="264" r:id="rId30"/>
   </p:sldIdLst>
   <p:sldSz cx="9144000" cy="6858000" type="screen4x3"/>
   <p:notesSz cx="6858000" cy="9144000"/>
@@ -807,7 +808,7 @@
             <a:fld id="{A6EF3A1D-1CB9-41EE-AA84-2B6F8C20BD34}" type="slidenum">
               <a:rPr lang="en-US" smtClean="0"/>
               <a:pPr/>
-              <a:t>26</a:t>
+              <a:t>27</a:t>
             </a:fld>
             <a:endParaRPr lang="en-US"/>
           </a:p>
@@ -10022,6 +10023,13 @@
   <p:clrMapOvr>
     <a:masterClrMapping/>
   </p:clrMapOvr>
+  <p:timing>
+    <p:tnLst>
+      <p:par>
+        <p:cTn id="1" dur="indefinite" restart="never" nodeType="tmRoot"/>
+      </p:par>
+    </p:tnLst>
+  </p:timing>
 </p:sld>
 </file>
 
@@ -12364,19 +12372,7 @@
               <a:rPr lang="en-US" dirty="0" smtClean="0">
                 <a:hlinkClick r:id="rId2"/>
               </a:rPr>
-              <a:t>https</a:t>
-            </a:r>
-            <a:r>
-              <a:rPr lang="en-US" dirty="0" smtClean="0">
-                <a:hlinkClick r:id="rId2"/>
-              </a:rPr>
-              <a:t>://</a:t>
-            </a:r>
-            <a:r>
-              <a:rPr lang="en-US" dirty="0" smtClean="0">
-                <a:hlinkClick r:id="rId2"/>
-              </a:rPr>
-              <a:t>github.com/reta/ApacheConNA2015</a:t>
+              <a:t>https://github.com/reta/ApacheConNA2015</a:t>
             </a:r>
             <a:endParaRPr lang="en-US" dirty="0" smtClean="0"/>
           </a:p>
@@ -12437,132 +12433,38 @@
           <a:p>
             <a:r>
               <a:rPr lang="en-US" dirty="0" smtClean="0"/>
-              <a:t>Apache CXF Search Extension (IV)</a:t>
+              <a:t>Demo: Gluing All Parts Together …</a:t>
             </a:r>
             <a:endParaRPr lang="en-US" dirty="0"/>
           </a:p>
         </p:txBody>
       </p:sp>
-      <p:sp>
-        <p:nvSpPr>
-          <p:cNvPr id="3" name="Content Placeholder 2"/>
-          <p:cNvSpPr>
-            <a:spLocks noGrp="1"/>
-          </p:cNvSpPr>
-          <p:nvPr>
-            <p:ph idx="1"/>
-          </p:nvPr>
-        </p:nvSpPr>
-        <p:spPr/>
-        <p:txBody>
-          <a:bodyPr/>
-          <a:lstStyle/>
-          <a:p>
-            <a:r>
-              <a:rPr lang="en-US" dirty="0" smtClean="0"/>
-              <a:t>Configuring expressions parser</a:t>
-            </a:r>
-          </a:p>
-          <a:p>
-            <a:pPr>
-              <a:buNone/>
-            </a:pPr>
-            <a:r>
-              <a:rPr lang="en-US" dirty="0" smtClean="0"/>
-              <a:t>    </a:t>
-            </a:r>
-            <a:r>
-              <a:rPr lang="en-US" b="1" dirty="0" err="1" smtClean="0"/>
-              <a:t>search.parser.class</a:t>
-            </a:r>
-            <a:r>
-              <a:rPr lang="en-US" b="1" dirty="0" smtClean="0"/>
-              <a:t>=</a:t>
-            </a:r>
-            <a:r>
-              <a:rPr lang="en-US" b="1" dirty="0" err="1" smtClean="0"/>
-              <a:t>ODataParser</a:t>
-            </a:r>
-            <a:endParaRPr lang="en-US" b="1" dirty="0" smtClean="0"/>
-          </a:p>
-          <a:p>
-            <a:pPr>
-              <a:buNone/>
-            </a:pPr>
-            <a:r>
-              <a:rPr lang="en-US" b="1" dirty="0" smtClean="0"/>
-              <a:t>    </a:t>
-            </a:r>
-            <a:r>
-              <a:rPr lang="en-US" b="1" dirty="0" err="1" smtClean="0"/>
-              <a:t>search.parser</a:t>
-            </a:r>
-            <a:r>
-              <a:rPr lang="en-US" b="1" dirty="0" smtClean="0"/>
-              <a:t>=new </a:t>
-            </a:r>
-            <a:r>
-              <a:rPr lang="en-US" b="1" dirty="0" err="1" smtClean="0"/>
-              <a:t>ODataParser</a:t>
-            </a:r>
-            <a:r>
-              <a:rPr lang="en-US" b="1" dirty="0" smtClean="0"/>
-              <a:t>()</a:t>
-            </a:r>
-          </a:p>
-          <a:p>
-            <a:r>
-              <a:rPr lang="en-US" dirty="0" smtClean="0"/>
-              <a:t>Configuring query parameter name</a:t>
-            </a:r>
-          </a:p>
-          <a:p>
-            <a:pPr>
-              <a:buNone/>
-            </a:pPr>
-            <a:r>
-              <a:rPr lang="en-US" b="1" dirty="0" smtClean="0"/>
-              <a:t>    search.query.parameter.name=$filter</a:t>
-            </a:r>
-          </a:p>
-          <a:p>
-            <a:r>
-              <a:rPr lang="en-US" dirty="0" smtClean="0"/>
-              <a:t>Configuring date format</a:t>
-            </a:r>
-          </a:p>
-          <a:p>
-            <a:pPr>
-              <a:buNone/>
-            </a:pPr>
-            <a:r>
-              <a:rPr lang="en-CA" dirty="0" smtClean="0"/>
-              <a:t>    </a:t>
-            </a:r>
-            <a:r>
-              <a:rPr lang="en-US" b="1" dirty="0" err="1" smtClean="0"/>
-              <a:t>search.date</a:t>
-            </a:r>
-            <a:r>
-              <a:rPr lang="en-US" b="1" dirty="0" smtClean="0"/>
-              <a:t>-format=</a:t>
-            </a:r>
-            <a:r>
-              <a:rPr lang="en-US" b="1" dirty="0" err="1" smtClean="0"/>
-              <a:t>yyyy</a:t>
-            </a:r>
-            <a:r>
-              <a:rPr lang="en-US" b="1" dirty="0" smtClean="0"/>
-              <a:t>/MM/</a:t>
-            </a:r>
-            <a:r>
-              <a:rPr lang="en-US" b="1" dirty="0" err="1" smtClean="0"/>
-              <a:t>dd</a:t>
-            </a:r>
-            <a:endParaRPr lang="en-US" b="1" dirty="0"/>
-          </a:p>
-        </p:txBody>
-      </p:sp>
+      <p:pic>
+        <p:nvPicPr>
+          <p:cNvPr id="1026" name="Picture 2" descr="C:\Users\reta\Downloads\all-parts-together.png"/>
+          <p:cNvPicPr>
+            <a:picLocks noChangeAspect="1" noChangeArrowheads="1"/>
+          </p:cNvPicPr>
+          <p:nvPr/>
+        </p:nvPicPr>
+        <p:blipFill>
+          <a:blip r:embed="rId2" cstate="print"/>
+          <a:srcRect/>
+          <a:stretch>
+            <a:fillRect/>
+          </a:stretch>
+        </p:blipFill>
+        <p:spPr bwMode="auto">
+          <a:xfrm>
+            <a:off x="323528" y="2204864"/>
+            <a:ext cx="8431213" cy="3365500"/>
+          </a:xfrm>
+          <a:prstGeom prst="rect">
+            <a:avLst/>
+          </a:prstGeom>
+          <a:noFill/>
+        </p:spPr>
+      </p:pic>
     </p:spTree>
   </p:cSld>
   <p:clrMapOvr>
@@ -12605,19 +12507,14 @@
             <p:ph type="title"/>
           </p:nvPr>
         </p:nvSpPr>
-        <p:spPr>
-          <a:xfrm>
-            <a:off x="457200" y="260648"/>
-            <a:ext cx="8229600" cy="1143000"/>
-          </a:xfrm>
-        </p:spPr>
+        <p:spPr/>
         <p:txBody>
           <a:bodyPr/>
           <a:lstStyle/>
           <a:p>
             <a:r>
               <a:rPr lang="en-US" dirty="0" smtClean="0"/>
-              <a:t>Alternatives</a:t>
+              <a:t>Apache CXF Search Extension (IV)</a:t>
             </a:r>
             <a:endParaRPr lang="en-US" dirty="0"/>
           </a:p>
@@ -12635,65 +12532,111 @@
         </p:nvSpPr>
         <p:spPr/>
         <p:txBody>
-          <a:bodyPr>
-            <a:normAutofit/>
-          </a:bodyPr>
-          <a:lstStyle/>
-          <a:p>
-            <a:r>
-              <a:rPr lang="en-US" b="1" dirty="0" err="1" smtClean="0"/>
-              <a:t>ElasticSearch</a:t>
-            </a:r>
+          <a:bodyPr/>
+          <a:lstStyle/>
+          <a:p>
             <a:r>
               <a:rPr lang="en-US" dirty="0" smtClean="0"/>
-              <a:t>: is a highly scalable open-source full-text search and analytics engine (</a:t>
-            </a:r>
-            <a:r>
-              <a:rPr lang="en-US" dirty="0" smtClean="0">
-                <a:hlinkClick r:id="rId3"/>
-              </a:rPr>
-              <a:t>http://www.elastic.co/</a:t>
-            </a:r>
-            <a:r>
-              <a:rPr lang="en-US" dirty="0" smtClean="0"/>
-              <a:t>)</a:t>
-            </a:r>
-          </a:p>
-          <a:p>
-            <a:r>
-              <a:rPr lang="en-US" b="1" dirty="0" smtClean="0"/>
-              <a:t>Apache </a:t>
-            </a:r>
-            <a:r>
-              <a:rPr lang="en-US" b="1" dirty="0" err="1" smtClean="0"/>
-              <a:t>Solr</a:t>
-            </a:r>
-            <a:r>
-              <a:rPr lang="en-US" dirty="0" smtClean="0"/>
-              <a:t>: highly reliable, scalable and fault tolerant open-source enterprise search platform (</a:t>
-            </a:r>
-            <a:r>
-              <a:rPr lang="en-US" dirty="0" smtClean="0">
-                <a:hlinkClick r:id="rId4"/>
-              </a:rPr>
-              <a:t>http://lucene.apache.org/solr/</a:t>
-            </a:r>
-            <a:r>
-              <a:rPr lang="en-US" dirty="0" smtClean="0"/>
-              <a:t>)</a:t>
-            </a:r>
-          </a:p>
-          <a:p>
-            <a:pPr algn="ctr">
+              <a:t>Configuring expressions parser</a:t>
+            </a:r>
+          </a:p>
+          <a:p>
+            <a:pPr>
               <a:buNone/>
             </a:pPr>
             <a:r>
-              <a:rPr lang="en-US" sz="3400" b="1" dirty="0" smtClean="0"/>
-              <a:t>These are dedicated, best in class solutions for solving difficult search problems.</a:t>
-            </a:r>
-          </a:p>
-          <a:p>
-            <a:endParaRPr lang="en-US" dirty="0"/>
+              <a:rPr lang="en-US" dirty="0" smtClean="0"/>
+              <a:t>    </a:t>
+            </a:r>
+            <a:r>
+              <a:rPr lang="en-US" b="1" dirty="0" err="1" smtClean="0"/>
+              <a:t>search.parser.class</a:t>
+            </a:r>
+            <a:r>
+              <a:rPr lang="en-US" b="1" dirty="0" smtClean="0"/>
+              <a:t>=</a:t>
+            </a:r>
+            <a:r>
+              <a:rPr lang="en-US" b="1" dirty="0" err="1" smtClean="0"/>
+              <a:t>ODataParser</a:t>
+            </a:r>
+            <a:endParaRPr lang="en-US" b="1" dirty="0" smtClean="0"/>
+          </a:p>
+          <a:p>
+            <a:pPr>
+              <a:buNone/>
+            </a:pPr>
+            <a:r>
+              <a:rPr lang="en-US" b="1" dirty="0" smtClean="0"/>
+              <a:t>    </a:t>
+            </a:r>
+            <a:r>
+              <a:rPr lang="en-US" b="1" dirty="0" err="1" smtClean="0"/>
+              <a:t>search.parser</a:t>
+            </a:r>
+            <a:r>
+              <a:rPr lang="en-US" b="1" dirty="0" smtClean="0"/>
+              <a:t>=new </a:t>
+            </a:r>
+            <a:r>
+              <a:rPr lang="en-US" b="1" dirty="0" err="1" smtClean="0"/>
+              <a:t>ODataParser</a:t>
+            </a:r>
+            <a:r>
+              <a:rPr lang="en-US" b="1" dirty="0" smtClean="0"/>
+              <a:t>()</a:t>
+            </a:r>
+          </a:p>
+          <a:p>
+            <a:r>
+              <a:rPr lang="en-US" dirty="0" smtClean="0"/>
+              <a:t>Configuring query parameter name</a:t>
+            </a:r>
+          </a:p>
+          <a:p>
+            <a:pPr>
+              <a:buNone/>
+            </a:pPr>
+            <a:r>
+              <a:rPr lang="en-US" b="1" dirty="0" smtClean="0"/>
+              <a:t>    search.query.parameter.name=$filter</a:t>
+            </a:r>
+          </a:p>
+          <a:p>
+            <a:r>
+              <a:rPr lang="en-US" dirty="0" smtClean="0"/>
+              <a:t>Configuring date format</a:t>
+            </a:r>
+          </a:p>
+          <a:p>
+            <a:pPr>
+              <a:buNone/>
+            </a:pPr>
+            <a:r>
+              <a:rPr lang="en-CA" dirty="0" smtClean="0"/>
+              <a:t>    </a:t>
+            </a:r>
+            <a:r>
+              <a:rPr lang="en-US" b="1" dirty="0" err="1" smtClean="0"/>
+              <a:t>search.date</a:t>
+            </a:r>
+            <a:r>
+              <a:rPr lang="en-US" b="1" dirty="0" smtClean="0"/>
+              <a:t>-format=</a:t>
+            </a:r>
+            <a:r>
+              <a:rPr lang="en-US" b="1" dirty="0" err="1" smtClean="0"/>
+              <a:t>yyyy</a:t>
+            </a:r>
+            <a:r>
+              <a:rPr lang="en-US" b="1" dirty="0" smtClean="0"/>
+              <a:t>/MM/</a:t>
+            </a:r>
+            <a:r>
+              <a:rPr lang="en-US" b="1" dirty="0" err="1" smtClean="0"/>
+              <a:t>dd</a:t>
+            </a:r>
+            <a:endParaRPr lang="en-US" b="1" dirty="0"/>
           </a:p>
         </p:txBody>
       </p:sp>
@@ -12739,71 +12682,92 @@
             <p:ph type="title"/>
           </p:nvPr>
         </p:nvSpPr>
+        <p:spPr>
+          <a:xfrm>
+            <a:off x="457200" y="260648"/>
+            <a:ext cx="8229600" cy="1143000"/>
+          </a:xfrm>
+        </p:spPr>
+        <p:txBody>
+          <a:bodyPr/>
+          <a:lstStyle/>
+          <a:p>
+            <a:r>
+              <a:rPr lang="en-US" dirty="0" smtClean="0"/>
+              <a:t>Alternatives</a:t>
+            </a:r>
+            <a:endParaRPr lang="en-US" dirty="0"/>
+          </a:p>
+        </p:txBody>
+      </p:sp>
+      <p:sp>
+        <p:nvSpPr>
+          <p:cNvPr id="3" name="Content Placeholder 2"/>
+          <p:cNvSpPr>
+            <a:spLocks noGrp="1"/>
+          </p:cNvSpPr>
+          <p:nvPr>
+            <p:ph idx="1"/>
+          </p:nvPr>
+        </p:nvSpPr>
         <p:spPr/>
         <p:txBody>
-          <a:bodyPr/>
-          <a:lstStyle/>
-          <a:p>
+          <a:bodyPr>
+            <a:normAutofit/>
+          </a:bodyPr>
+          <a:lstStyle/>
+          <a:p>
+            <a:r>
+              <a:rPr lang="en-US" b="1" dirty="0" err="1" smtClean="0"/>
+              <a:t>ElasticSearch</a:t>
+            </a:r>
             <a:r>
               <a:rPr lang="en-US" dirty="0" smtClean="0"/>
-              <a:t>Useful links</a:t>
-            </a:r>
-            <a:endParaRPr lang="en-US" dirty="0"/>
-          </a:p>
-        </p:txBody>
-      </p:sp>
-      <p:sp>
-        <p:nvSpPr>
-          <p:cNvPr id="3" name="Content Placeholder 2"/>
-          <p:cNvSpPr>
-            <a:spLocks noGrp="1"/>
-          </p:cNvSpPr>
-          <p:nvPr>
-            <p:ph idx="1"/>
-          </p:nvPr>
-        </p:nvSpPr>
-        <p:spPr/>
-        <p:txBody>
-          <a:bodyPr/>
-          <a:lstStyle/>
-          <a:p>
-            <a:r>
-              <a:rPr lang="en-US" dirty="0" smtClean="0">
-                <a:hlinkClick r:id="rId2"/>
-              </a:rPr>
-              <a:t>http://cxf.apache.org/docs/jax-rs-search.html</a:t>
-            </a:r>
-            <a:endParaRPr lang="en-US" dirty="0" smtClean="0"/>
-          </a:p>
-          <a:p>
+              <a:t>: is a highly scalable open-source full-text search and analytics engine (</a:t>
+            </a:r>
             <a:r>
               <a:rPr lang="en-US" dirty="0" smtClean="0">
                 <a:hlinkClick r:id="rId3"/>
               </a:rPr>
-              <a:t>http://lucene.apache.org/</a:t>
-            </a:r>
-            <a:endParaRPr lang="en-US" dirty="0" smtClean="0"/>
-          </a:p>
-          <a:p>
+              <a:t>http://www.elastic.co/</a:t>
+            </a:r>
+            <a:r>
+              <a:rPr lang="en-US" dirty="0" smtClean="0"/>
+              <a:t>)</a:t>
+            </a:r>
+          </a:p>
+          <a:p>
+            <a:r>
+              <a:rPr lang="en-US" b="1" dirty="0" smtClean="0"/>
+              <a:t>Apache </a:t>
+            </a:r>
+            <a:r>
+              <a:rPr lang="en-US" b="1" dirty="0" err="1" smtClean="0"/>
+              <a:t>Solr</a:t>
+            </a:r>
+            <a:r>
+              <a:rPr lang="en-US" dirty="0" smtClean="0"/>
+              <a:t>: highly reliable, scalable and fault tolerant open-source enterprise search platform (</a:t>
+            </a:r>
             <a:r>
               <a:rPr lang="en-US" dirty="0" smtClean="0">
                 <a:hlinkClick r:id="rId4"/>
               </a:rPr>
-              <a:t>http://tika.apache.org/</a:t>
-            </a:r>
-            <a:endParaRPr lang="en-US" dirty="0" smtClean="0"/>
-          </a:p>
-          <a:p>
-            <a:endParaRPr lang="en-US" dirty="0" smtClean="0"/>
-          </a:p>
-          <a:p>
-            <a:r>
-              <a:rPr lang="en-US" dirty="0" smtClean="0">
-                <a:hlinkClick r:id="rId5"/>
-              </a:rPr>
-              <a:t>http://aredko.blogspot.ca/2014/12/beyond-jax-rs-spec-apache-cxf-search.html</a:t>
-            </a:r>
-            <a:endParaRPr lang="en-US" dirty="0" smtClean="0"/>
+              <a:t>http://lucene.apache.org/solr/</a:t>
+            </a:r>
+            <a:r>
+              <a:rPr lang="en-US" dirty="0" smtClean="0"/>
+              <a:t>)</a:t>
+            </a:r>
+          </a:p>
+          <a:p>
+            <a:pPr algn="ctr">
+              <a:buNone/>
+            </a:pPr>
+            <a:r>
+              <a:rPr lang="en-US" sz="3400" b="1" dirty="0" smtClean="0"/>
+              <a:t>These are dedicated, best in class solutions for solving difficult search problems.</a:t>
+            </a:r>
           </a:p>
           <a:p>
             <a:endParaRPr lang="en-US" dirty="0"/>
@@ -12826,6 +12790,142 @@
 </file>
 
 <file path=ppt/slides/slide28.xml><?xml version="1.0" encoding="utf-8"?>
+<p:sld xmlns:a="http://schemas.openxmlformats.org/drawingml/2006/main" xmlns:r="http://schemas.openxmlformats.org/officeDocument/2006/relationships" xmlns:p="http://schemas.openxmlformats.org/presentationml/2006/main">
+  <p:cSld>
+    <p:spTree>
+      <p:nvGrpSpPr>
+        <p:cNvPr id="1" name=""/>
+        <p:cNvGrpSpPr/>
+        <p:nvPr/>
+      </p:nvGrpSpPr>
+      <p:grpSpPr>
+        <a:xfrm>
+          <a:off x="0" y="0"/>
+          <a:ext cx="0" cy="0"/>
+          <a:chOff x="0" y="0"/>
+          <a:chExt cx="0" cy="0"/>
+        </a:xfrm>
+      </p:grpSpPr>
+      <p:sp>
+        <p:nvSpPr>
+          <p:cNvPr id="2" name="Title 1"/>
+          <p:cNvSpPr>
+            <a:spLocks noGrp="1"/>
+          </p:cNvSpPr>
+          <p:nvPr>
+            <p:ph type="title"/>
+          </p:nvPr>
+        </p:nvSpPr>
+        <p:spPr/>
+        <p:txBody>
+          <a:bodyPr/>
+          <a:lstStyle/>
+          <a:p>
+            <a:r>
+              <a:rPr lang="en-US" dirty="0" smtClean="0"/>
+              <a:t>Useful links</a:t>
+            </a:r>
+            <a:endParaRPr lang="en-US" dirty="0"/>
+          </a:p>
+        </p:txBody>
+      </p:sp>
+      <p:sp>
+        <p:nvSpPr>
+          <p:cNvPr id="3" name="Content Placeholder 2"/>
+          <p:cNvSpPr>
+            <a:spLocks noGrp="1"/>
+          </p:cNvSpPr>
+          <p:nvPr>
+            <p:ph idx="1"/>
+          </p:nvPr>
+        </p:nvSpPr>
+        <p:spPr/>
+        <p:txBody>
+          <a:bodyPr>
+            <a:normAutofit/>
+          </a:bodyPr>
+          <a:lstStyle/>
+          <a:p>
+            <a:r>
+              <a:rPr lang="en-US" dirty="0" smtClean="0">
+                <a:hlinkClick r:id="rId2"/>
+              </a:rPr>
+              <a:t>http://cxf.apache.org/docs/jax-rs-search.html</a:t>
+            </a:r>
+            <a:endParaRPr lang="en-US" dirty="0" smtClean="0"/>
+          </a:p>
+          <a:p>
+            <a:r>
+              <a:rPr lang="en-US" dirty="0" smtClean="0">
+                <a:hlinkClick r:id="rId3"/>
+              </a:rPr>
+              <a:t>http://lucene.apache.org/</a:t>
+            </a:r>
+            <a:endParaRPr lang="en-US" dirty="0" smtClean="0"/>
+          </a:p>
+          <a:p>
+            <a:r>
+              <a:rPr lang="en-US" dirty="0" smtClean="0">
+                <a:hlinkClick r:id="rId4"/>
+              </a:rPr>
+              <a:t>http://tika.apache.org</a:t>
+            </a:r>
+            <a:r>
+              <a:rPr lang="en-US" dirty="0" smtClean="0">
+                <a:hlinkClick r:id="rId4"/>
+              </a:rPr>
+              <a:t>/</a:t>
+            </a:r>
+            <a:endParaRPr lang="en-US" dirty="0" smtClean="0"/>
+          </a:p>
+          <a:p>
+            <a:r>
+              <a:rPr lang="en-US" dirty="0" smtClean="0">
+                <a:hlinkClick r:id="rId5"/>
+              </a:rPr>
+              <a:t>http://olingo.apache.org</a:t>
+            </a:r>
+            <a:r>
+              <a:rPr lang="en-US" dirty="0" smtClean="0">
+                <a:hlinkClick r:id="rId5"/>
+              </a:rPr>
+              <a:t>/</a:t>
+            </a:r>
+            <a:endParaRPr lang="en-US" dirty="0" smtClean="0"/>
+          </a:p>
+          <a:p>
+            <a:endParaRPr lang="en-US" dirty="0" smtClean="0"/>
+          </a:p>
+          <a:p>
+            <a:r>
+              <a:rPr lang="en-US" dirty="0" smtClean="0">
+                <a:hlinkClick r:id="rId6"/>
+              </a:rPr>
+              <a:t>http://aredko.blogspot.ca/2014/12/beyond-jax-rs-spec-apache-cxf-search.html</a:t>
+            </a:r>
+            <a:endParaRPr lang="en-US" dirty="0" smtClean="0"/>
+          </a:p>
+          <a:p>
+            <a:endParaRPr lang="en-US" dirty="0"/>
+          </a:p>
+        </p:txBody>
+      </p:sp>
+    </p:spTree>
+  </p:cSld>
+  <p:clrMapOvr>
+    <a:masterClrMapping/>
+  </p:clrMapOvr>
+  <p:timing>
+    <p:tnLst>
+      <p:par>
+        <p:cTn id="1" dur="indefinite" restart="never" nodeType="tmRoot"/>
+      </p:par>
+    </p:tnLst>
+  </p:timing>
+</p:sld>
+</file>
+
+<file path=ppt/slides/slide29.xml><?xml version="1.0" encoding="utf-8"?>
 <p:sld xmlns:a="http://schemas.openxmlformats.org/drawingml/2006/main" xmlns:r="http://schemas.openxmlformats.org/officeDocument/2006/relationships" xmlns:p="http://schemas.openxmlformats.org/presentationml/2006/main">
   <p:cSld>
     <p:spTree>

--- a/slides/Apache CXF, Tika and Lucene.pptx
+++ b/slides/Apache CXF, Tika and Lucene.pptx
@@ -221,7 +221,7 @@
             <a:fld id="{5447C3B9-F5B7-41C4-BA82-BD2DBA3578C3}" type="datetimeFigureOut">
               <a:rPr lang="en-US" smtClean="0"/>
               <a:pPr/>
-              <a:t>4/4/2015</a:t>
+              <a:t>4/11/2015</a:t>
             </a:fld>
             <a:endParaRPr lang="en-US"/>
           </a:p>
@@ -535,59 +535,32 @@
           <a:p>
             <a:r>
               <a:rPr lang="en-US" dirty="0" smtClean="0"/>
-              <a:t>Plan: </a:t>
-            </a:r>
-          </a:p>
-          <a:p>
+              <a:t>Welcome</a:t>
+            </a:r>
+            <a:r>
+              <a:rPr lang="en-US" baseline="0" dirty="0" smtClean="0"/>
+              <a:t> everyone to my talk. </a:t>
+            </a:r>
             <a:r>
               <a:rPr lang="en-US" dirty="0" smtClean="0"/>
-              <a:t> - introduce myself</a:t>
-            </a:r>
-          </a:p>
-          <a:p>
-            <a:r>
-              <a:rPr lang="en-US" dirty="0" smtClean="0"/>
-              <a:t> - introduce apache </a:t>
-            </a:r>
-            <a:r>
-              <a:rPr lang="en-US" dirty="0" err="1" smtClean="0"/>
-              <a:t>cxf</a:t>
-            </a:r>
-            <a:endParaRPr lang="en-US" dirty="0" smtClean="0"/>
-          </a:p>
-          <a:p>
+              <a:t>This</a:t>
+            </a:r>
             <a:r>
               <a:rPr lang="en-US" baseline="0" dirty="0" smtClean="0"/>
-              <a:t> - introduce apache </a:t>
+              <a:t> talk is about a quick and easy way of integrating full-fledged search capabilities into typical JAX-RS applications, built on top of excellent Apache CXF framework</a:t>
+            </a:r>
+            <a:r>
+              <a:rPr lang="en-US" baseline="0" dirty="0" smtClean="0"/>
+              <a:t>. This talk assumes that you have some basic knowledge of JAX-RS services and Apache </a:t>
             </a:r>
             <a:r>
               <a:rPr lang="en-US" baseline="0" dirty="0" err="1" smtClean="0"/>
-              <a:t>tika</a:t>
-            </a:r>
-            <a:endParaRPr lang="en-US" baseline="0" dirty="0" smtClean="0"/>
-          </a:p>
-          <a:p>
+              <a:t>Lucene</a:t>
+            </a:r>
             <a:r>
               <a:rPr lang="en-US" baseline="0" dirty="0" smtClean="0"/>
-              <a:t> - introduce </a:t>
-            </a:r>
-            <a:r>
-              <a:rPr lang="en-US" baseline="0" dirty="0" err="1" smtClean="0"/>
-              <a:t>lucene</a:t>
-            </a:r>
-            <a:endParaRPr lang="en-US" baseline="0" dirty="0" smtClean="0"/>
-          </a:p>
-          <a:p>
-            <a:r>
-              <a:rPr lang="en-US" baseline="0" dirty="0" smtClean="0"/>
-              <a:t> - describe </a:t>
-            </a:r>
-            <a:r>
-              <a:rPr lang="en-US" baseline="0" smtClean="0"/>
-              <a:t>the problem</a:t>
-            </a:r>
-          </a:p>
-          <a:p>
+              <a:t> library.</a:t>
+            </a:r>
             <a:endParaRPr lang="en-US" dirty="0"/>
           </a:p>
         </p:txBody>
@@ -671,26 +644,24 @@
           <a:lstStyle/>
           <a:p>
             <a:r>
-              <a:rPr lang="en-US" dirty="0" err="1" smtClean="0"/>
-              <a:t>TikaContent</a:t>
+              <a:rPr lang="en-CA" dirty="0" smtClean="0"/>
+              <a:t>The</a:t>
+            </a:r>
+            <a:r>
+              <a:rPr lang="en-CA" baseline="0" dirty="0" smtClean="0"/>
+              <a:t> search conditions implementation is type-safe and can be applied to arbitrary classes and collections (internally the respective property values are retrieved through reflection calls). But regular key</a:t>
             </a:r>
             <a:r>
               <a:rPr lang="en-US" baseline="0" dirty="0" smtClean="0"/>
-              <a:t> is generic representation of raw text and metadata, extracted form the file</a:t>
-            </a:r>
-          </a:p>
-          <a:p>
-            <a:r>
-              <a:rPr lang="en-US" baseline="0" dirty="0" err="1" smtClean="0"/>
-              <a:t>TikaLucene</a:t>
-            </a:r>
-            <a:r>
-              <a:rPr lang="en-US" dirty="0" err="1" smtClean="0"/>
-              <a:t>ContentExtractor</a:t>
+              <a:t>/value map (</a:t>
+            </a:r>
+            <a:r>
+              <a:rPr lang="en-US" b="1" baseline="0" dirty="0" err="1" smtClean="0"/>
+              <a:t>SearchBean</a:t>
             </a:r>
             <a:r>
               <a:rPr lang="en-US" baseline="0" dirty="0" smtClean="0"/>
-              <a:t> returns ready to use </a:t>
+              <a:t>) is also supported which makes it very easy to project the search conditions to </a:t>
             </a:r>
             <a:r>
               <a:rPr lang="en-US" baseline="0" dirty="0" err="1" smtClean="0"/>
@@ -698,7 +669,7 @@
             </a:r>
             <a:r>
               <a:rPr lang="en-US" baseline="0" dirty="0" smtClean="0"/>
-              <a:t> document, which could be indexed right away</a:t>
+              <a:t> queries,  JPA criteria, SQL, HBASE filters, … without creating tons of supplementary classes. </a:t>
             </a:r>
             <a:endParaRPr lang="en-US" dirty="0"/>
           </a:p>
@@ -722,7 +693,7 @@
             <a:fld id="{A6EF3A1D-1CB9-41EE-AA84-2B6F8C20BD34}" type="slidenum">
               <a:rPr lang="en-US" smtClean="0"/>
               <a:pPr/>
-              <a:t>22</a:t>
+              <a:t>11</a:t>
             </a:fld>
             <a:endParaRPr lang="en-US"/>
           </a:p>
@@ -784,7 +755,27 @@
           <a:p>
             <a:r>
               <a:rPr lang="en-US" dirty="0" smtClean="0"/>
-              <a:t>[Draft]</a:t>
+              <a:t>Apache </a:t>
+            </a:r>
+            <a:r>
+              <a:rPr lang="en-US" dirty="0" err="1" smtClean="0"/>
+              <a:t>Lucene</a:t>
+            </a:r>
+            <a:r>
+              <a:rPr lang="en-US" dirty="0" smtClean="0"/>
+              <a:t> has</a:t>
+            </a:r>
+            <a:r>
+              <a:rPr lang="en-US" baseline="0" dirty="0" smtClean="0"/>
+              <a:t> a very rich set of query types and their compositions. But Apache CXF search extension uses the subset of the most commonly used ones which nonetheless is quite enough to cover the demands of many applications. On the next couple of slides we are going to see the examples of how FIQL/</a:t>
+            </a:r>
+            <a:r>
+              <a:rPr lang="en-US" baseline="0" dirty="0" err="1" smtClean="0"/>
+              <a:t>OData</a:t>
+            </a:r>
+            <a:r>
+              <a:rPr lang="en-US" baseline="0" dirty="0" smtClean="0"/>
+              <a:t> filters are mapped into one of those queries.</a:t>
             </a:r>
             <a:endParaRPr lang="en-US" dirty="0"/>
           </a:p>
@@ -808,7 +799,993 @@
             <a:fld id="{A6EF3A1D-1CB9-41EE-AA84-2B6F8C20BD34}" type="slidenum">
               <a:rPr lang="en-US" smtClean="0"/>
               <a:pPr/>
-              <a:t>27</a:t>
+              <a:t>12</a:t>
+            </a:fld>
+            <a:endParaRPr lang="en-US"/>
+          </a:p>
+        </p:txBody>
+      </p:sp>
+    </p:spTree>
+  </p:cSld>
+  <p:clrMapOvr>
+    <a:masterClrMapping/>
+  </p:clrMapOvr>
+</p:notes>
+</file>
+
+<file path=ppt/notesSlides/notesSlide12.xml><?xml version="1.0" encoding="utf-8"?>
+<p:notes xmlns:a="http://schemas.openxmlformats.org/drawingml/2006/main" xmlns:r="http://schemas.openxmlformats.org/officeDocument/2006/relationships" xmlns:p="http://schemas.openxmlformats.org/presentationml/2006/main">
+  <p:cSld>
+    <p:spTree>
+      <p:nvGrpSpPr>
+        <p:cNvPr id="1" name=""/>
+        <p:cNvGrpSpPr/>
+        <p:nvPr/>
+      </p:nvGrpSpPr>
+      <p:grpSpPr>
+        <a:xfrm>
+          <a:off x="0" y="0"/>
+          <a:ext cx="0" cy="0"/>
+          <a:chOff x="0" y="0"/>
+          <a:chExt cx="0" cy="0"/>
+        </a:xfrm>
+      </p:grpSpPr>
+      <p:sp>
+        <p:nvSpPr>
+          <p:cNvPr id="2" name="Slide Image Placeholder 1"/>
+          <p:cNvSpPr>
+            <a:spLocks noGrp="1" noRot="1" noChangeAspect="1"/>
+          </p:cNvSpPr>
+          <p:nvPr>
+            <p:ph type="sldImg"/>
+          </p:nvPr>
+        </p:nvSpPr>
+        <p:spPr/>
+      </p:sp>
+      <p:sp>
+        <p:nvSpPr>
+          <p:cNvPr id="3" name="Notes Placeholder 2"/>
+          <p:cNvSpPr>
+            <a:spLocks noGrp="1"/>
+          </p:cNvSpPr>
+          <p:nvPr>
+            <p:ph type="body" idx="1"/>
+          </p:nvPr>
+        </p:nvSpPr>
+        <p:spPr/>
+        <p:txBody>
+          <a:bodyPr>
+            <a:normAutofit/>
+          </a:bodyPr>
+          <a:lstStyle/>
+          <a:p>
+            <a:pPr marL="0" marR="0" indent="0" algn="l" defTabSz="914400" rtl="0" eaLnBrk="1" fontAlgn="auto" latinLnBrk="0" hangingPunct="1">
+              <a:lnSpc>
+                <a:spcPct val="100000"/>
+              </a:lnSpc>
+              <a:spcBef>
+                <a:spcPts val="0"/>
+              </a:spcBef>
+              <a:spcAft>
+                <a:spcPts val="0"/>
+              </a:spcAft>
+              <a:buClrTx/>
+              <a:buSzTx/>
+              <a:buFontTx/>
+              <a:buNone/>
+              <a:tabLst/>
+              <a:defRPr/>
+            </a:pPr>
+            <a:r>
+              <a:rPr lang="en-US" dirty="0" err="1" smtClean="0"/>
+              <a:t>TermQuery</a:t>
+            </a:r>
+            <a:r>
+              <a:rPr lang="en-US" dirty="0" smtClean="0"/>
+              <a:t> is the most basic</a:t>
+            </a:r>
+            <a:r>
+              <a:rPr lang="en-US" baseline="0" dirty="0" smtClean="0"/>
+              <a:t> one and looks for documents which contain the single term. In this example, the </a:t>
+            </a:r>
+            <a:r>
+              <a:rPr lang="en-US" b="1" baseline="0" dirty="0" err="1" smtClean="0"/>
+              <a:t>StandardAnalyzer</a:t>
+            </a:r>
+            <a:r>
+              <a:rPr lang="en-US" b="1" baseline="0" dirty="0" smtClean="0"/>
+              <a:t> </a:t>
+            </a:r>
+            <a:r>
+              <a:rPr lang="en-US" b="0" baseline="0" dirty="0" smtClean="0"/>
+              <a:t>has been used which leads to conversion of the term into lower case while building Apache </a:t>
+            </a:r>
+            <a:r>
+              <a:rPr lang="en-US" b="0" baseline="0" dirty="0" err="1" smtClean="0"/>
+              <a:t>Lucene</a:t>
+            </a:r>
+            <a:r>
+              <a:rPr lang="en-US" b="0" baseline="0" dirty="0" smtClean="0"/>
+              <a:t> query.</a:t>
+            </a:r>
+            <a:endParaRPr lang="en-US" b="1" dirty="0"/>
+          </a:p>
+        </p:txBody>
+      </p:sp>
+      <p:sp>
+        <p:nvSpPr>
+          <p:cNvPr id="4" name="Slide Number Placeholder 3"/>
+          <p:cNvSpPr>
+            <a:spLocks noGrp="1"/>
+          </p:cNvSpPr>
+          <p:nvPr>
+            <p:ph type="sldNum" sz="quarter" idx="10"/>
+          </p:nvPr>
+        </p:nvSpPr>
+        <p:spPr/>
+        <p:txBody>
+          <a:bodyPr/>
+          <a:lstStyle/>
+          <a:p>
+            <a:fld id="{A6EF3A1D-1CB9-41EE-AA84-2B6F8C20BD34}" type="slidenum">
+              <a:rPr lang="en-US" smtClean="0"/>
+              <a:pPr/>
+              <a:t>13</a:t>
+            </a:fld>
+            <a:endParaRPr lang="en-US"/>
+          </a:p>
+        </p:txBody>
+      </p:sp>
+    </p:spTree>
+  </p:cSld>
+  <p:clrMapOvr>
+    <a:masterClrMapping/>
+  </p:clrMapOvr>
+</p:notes>
+</file>
+
+<file path=ppt/notesSlides/notesSlide13.xml><?xml version="1.0" encoding="utf-8"?>
+<p:notes xmlns:a="http://schemas.openxmlformats.org/drawingml/2006/main" xmlns:r="http://schemas.openxmlformats.org/officeDocument/2006/relationships" xmlns:p="http://schemas.openxmlformats.org/presentationml/2006/main">
+  <p:cSld>
+    <p:spTree>
+      <p:nvGrpSpPr>
+        <p:cNvPr id="1" name=""/>
+        <p:cNvGrpSpPr/>
+        <p:nvPr/>
+      </p:nvGrpSpPr>
+      <p:grpSpPr>
+        <a:xfrm>
+          <a:off x="0" y="0"/>
+          <a:ext cx="0" cy="0"/>
+          <a:chOff x="0" y="0"/>
+          <a:chExt cx="0" cy="0"/>
+        </a:xfrm>
+      </p:grpSpPr>
+      <p:sp>
+        <p:nvSpPr>
+          <p:cNvPr id="2" name="Slide Image Placeholder 1"/>
+          <p:cNvSpPr>
+            <a:spLocks noGrp="1" noRot="1" noChangeAspect="1"/>
+          </p:cNvSpPr>
+          <p:nvPr>
+            <p:ph type="sldImg"/>
+          </p:nvPr>
+        </p:nvSpPr>
+        <p:spPr/>
+      </p:sp>
+      <p:sp>
+        <p:nvSpPr>
+          <p:cNvPr id="3" name="Notes Placeholder 2"/>
+          <p:cNvSpPr>
+            <a:spLocks noGrp="1"/>
+          </p:cNvSpPr>
+          <p:nvPr>
+            <p:ph type="body" idx="1"/>
+          </p:nvPr>
+        </p:nvSpPr>
+        <p:spPr/>
+        <p:txBody>
+          <a:bodyPr>
+            <a:normAutofit/>
+          </a:bodyPr>
+          <a:lstStyle/>
+          <a:p>
+            <a:pPr marL="0" marR="0" indent="0" algn="l" defTabSz="914400" rtl="0" eaLnBrk="1" fontAlgn="auto" latinLnBrk="0" hangingPunct="1">
+              <a:lnSpc>
+                <a:spcPct val="100000"/>
+              </a:lnSpc>
+              <a:spcBef>
+                <a:spcPts val="0"/>
+              </a:spcBef>
+              <a:spcAft>
+                <a:spcPts val="0"/>
+              </a:spcAft>
+              <a:buClrTx/>
+              <a:buSzTx/>
+              <a:buFontTx/>
+              <a:buNone/>
+              <a:tabLst/>
+              <a:defRPr/>
+            </a:pPr>
+            <a:r>
+              <a:rPr lang="en-US" dirty="0" err="1" smtClean="0"/>
+              <a:t>PhraseQuery</a:t>
+            </a:r>
+            <a:r>
+              <a:rPr lang="en-US" dirty="0" smtClean="0"/>
+              <a:t> is somewhat</a:t>
+            </a:r>
+            <a:r>
+              <a:rPr lang="en-US" baseline="0" dirty="0" smtClean="0"/>
+              <a:t> similar to </a:t>
+            </a:r>
+            <a:r>
+              <a:rPr lang="en-US" baseline="0" dirty="0" err="1" smtClean="0"/>
+              <a:t>TermQuery</a:t>
+            </a:r>
+            <a:r>
+              <a:rPr lang="en-US" baseline="0" dirty="0" smtClean="0"/>
+              <a:t> but instead of single term it uses a phrase as a search criteria. In this example, the </a:t>
+            </a:r>
+            <a:r>
+              <a:rPr lang="en-US" b="1" baseline="0" dirty="0" err="1" smtClean="0"/>
+              <a:t>StandardAnalyzer</a:t>
+            </a:r>
+            <a:r>
+              <a:rPr lang="en-US" b="1" baseline="0" dirty="0" smtClean="0"/>
+              <a:t> </a:t>
+            </a:r>
+            <a:r>
+              <a:rPr lang="en-US" b="0" baseline="0" dirty="0" smtClean="0"/>
+              <a:t>has been used which leads to stop word elimination (and lower-casing) while building Apache </a:t>
+            </a:r>
+            <a:r>
+              <a:rPr lang="en-US" b="0" baseline="0" dirty="0" err="1" smtClean="0"/>
+              <a:t>Lucene</a:t>
+            </a:r>
+            <a:r>
+              <a:rPr lang="en-US" b="0" baseline="0" dirty="0" smtClean="0"/>
+              <a:t> query.</a:t>
+            </a:r>
+            <a:endParaRPr lang="en-US" b="1" dirty="0" smtClean="0"/>
+          </a:p>
+          <a:p>
+            <a:endParaRPr lang="en-US" dirty="0"/>
+          </a:p>
+        </p:txBody>
+      </p:sp>
+      <p:sp>
+        <p:nvSpPr>
+          <p:cNvPr id="4" name="Slide Number Placeholder 3"/>
+          <p:cNvSpPr>
+            <a:spLocks noGrp="1"/>
+          </p:cNvSpPr>
+          <p:nvPr>
+            <p:ph type="sldNum" sz="quarter" idx="10"/>
+          </p:nvPr>
+        </p:nvSpPr>
+        <p:spPr/>
+        <p:txBody>
+          <a:bodyPr/>
+          <a:lstStyle/>
+          <a:p>
+            <a:fld id="{A6EF3A1D-1CB9-41EE-AA84-2B6F8C20BD34}" type="slidenum">
+              <a:rPr lang="en-US" smtClean="0"/>
+              <a:pPr/>
+              <a:t>14</a:t>
+            </a:fld>
+            <a:endParaRPr lang="en-US"/>
+          </a:p>
+        </p:txBody>
+      </p:sp>
+    </p:spTree>
+  </p:cSld>
+  <p:clrMapOvr>
+    <a:masterClrMapping/>
+  </p:clrMapOvr>
+</p:notes>
+</file>
+
+<file path=ppt/notesSlides/notesSlide14.xml><?xml version="1.0" encoding="utf-8"?>
+<p:notes xmlns:a="http://schemas.openxmlformats.org/drawingml/2006/main" xmlns:r="http://schemas.openxmlformats.org/officeDocument/2006/relationships" xmlns:p="http://schemas.openxmlformats.org/presentationml/2006/main">
+  <p:cSld>
+    <p:spTree>
+      <p:nvGrpSpPr>
+        <p:cNvPr id="1" name=""/>
+        <p:cNvGrpSpPr/>
+        <p:nvPr/>
+      </p:nvGrpSpPr>
+      <p:grpSpPr>
+        <a:xfrm>
+          <a:off x="0" y="0"/>
+          <a:ext cx="0" cy="0"/>
+          <a:chOff x="0" y="0"/>
+          <a:chExt cx="0" cy="0"/>
+        </a:xfrm>
+      </p:grpSpPr>
+      <p:sp>
+        <p:nvSpPr>
+          <p:cNvPr id="2" name="Slide Image Placeholder 1"/>
+          <p:cNvSpPr>
+            <a:spLocks noGrp="1" noRot="1" noChangeAspect="1"/>
+          </p:cNvSpPr>
+          <p:nvPr>
+            <p:ph type="sldImg"/>
+          </p:nvPr>
+        </p:nvSpPr>
+        <p:spPr/>
+      </p:sp>
+      <p:sp>
+        <p:nvSpPr>
+          <p:cNvPr id="3" name="Notes Placeholder 2"/>
+          <p:cNvSpPr>
+            <a:spLocks noGrp="1"/>
+          </p:cNvSpPr>
+          <p:nvPr>
+            <p:ph type="body" idx="1"/>
+          </p:nvPr>
+        </p:nvSpPr>
+        <p:spPr/>
+        <p:txBody>
+          <a:bodyPr>
+            <a:normAutofit/>
+          </a:bodyPr>
+          <a:lstStyle/>
+          <a:p>
+            <a:r>
+              <a:rPr lang="en-US" dirty="0" err="1" smtClean="0"/>
+              <a:t>WildcardQuery</a:t>
+            </a:r>
+            <a:r>
+              <a:rPr lang="en-US" dirty="0" smtClean="0"/>
+              <a:t> searches</a:t>
+            </a:r>
+            <a:r>
+              <a:rPr lang="en-US" baseline="0" dirty="0" smtClean="0"/>
+              <a:t> by partial matches (leading or trailing wildcards). In contrast to other types of queries, they are build “as-is” (analyzer independent) and could be really inefficient.</a:t>
+            </a:r>
+            <a:endParaRPr lang="en-US" dirty="0"/>
+          </a:p>
+        </p:txBody>
+      </p:sp>
+      <p:sp>
+        <p:nvSpPr>
+          <p:cNvPr id="4" name="Slide Number Placeholder 3"/>
+          <p:cNvSpPr>
+            <a:spLocks noGrp="1"/>
+          </p:cNvSpPr>
+          <p:nvPr>
+            <p:ph type="sldNum" sz="quarter" idx="10"/>
+          </p:nvPr>
+        </p:nvSpPr>
+        <p:spPr/>
+        <p:txBody>
+          <a:bodyPr/>
+          <a:lstStyle/>
+          <a:p>
+            <a:fld id="{A6EF3A1D-1CB9-41EE-AA84-2B6F8C20BD34}" type="slidenum">
+              <a:rPr lang="en-US" smtClean="0"/>
+              <a:pPr/>
+              <a:t>15</a:t>
+            </a:fld>
+            <a:endParaRPr lang="en-US"/>
+          </a:p>
+        </p:txBody>
+      </p:sp>
+    </p:spTree>
+  </p:cSld>
+  <p:clrMapOvr>
+    <a:masterClrMapping/>
+  </p:clrMapOvr>
+</p:notes>
+</file>
+
+<file path=ppt/notesSlides/notesSlide15.xml><?xml version="1.0" encoding="utf-8"?>
+<p:notes xmlns:a="http://schemas.openxmlformats.org/drawingml/2006/main" xmlns:r="http://schemas.openxmlformats.org/officeDocument/2006/relationships" xmlns:p="http://schemas.openxmlformats.org/presentationml/2006/main">
+  <p:cSld>
+    <p:spTree>
+      <p:nvGrpSpPr>
+        <p:cNvPr id="1" name=""/>
+        <p:cNvGrpSpPr/>
+        <p:nvPr/>
+      </p:nvGrpSpPr>
+      <p:grpSpPr>
+        <a:xfrm>
+          <a:off x="0" y="0"/>
+          <a:ext cx="0" cy="0"/>
+          <a:chOff x="0" y="0"/>
+          <a:chExt cx="0" cy="0"/>
+        </a:xfrm>
+      </p:grpSpPr>
+      <p:sp>
+        <p:nvSpPr>
+          <p:cNvPr id="2" name="Slide Image Placeholder 1"/>
+          <p:cNvSpPr>
+            <a:spLocks noGrp="1" noRot="1" noChangeAspect="1"/>
+          </p:cNvSpPr>
+          <p:nvPr>
+            <p:ph type="sldImg"/>
+          </p:nvPr>
+        </p:nvSpPr>
+        <p:spPr/>
+      </p:sp>
+      <p:sp>
+        <p:nvSpPr>
+          <p:cNvPr id="3" name="Notes Placeholder 2"/>
+          <p:cNvSpPr>
+            <a:spLocks noGrp="1"/>
+          </p:cNvSpPr>
+          <p:nvPr>
+            <p:ph type="body" idx="1"/>
+          </p:nvPr>
+        </p:nvSpPr>
+        <p:spPr/>
+        <p:txBody>
+          <a:bodyPr>
+            <a:normAutofit/>
+          </a:bodyPr>
+          <a:lstStyle/>
+          <a:p>
+            <a:r>
+              <a:rPr lang="en-US" dirty="0" err="1" smtClean="0"/>
+              <a:t>NumericRangeQuery</a:t>
+            </a:r>
+            <a:r>
+              <a:rPr lang="en-US" dirty="0" smtClean="0"/>
+              <a:t> is used to perform</a:t>
+            </a:r>
+            <a:r>
+              <a:rPr lang="en-US" baseline="0" dirty="0" smtClean="0"/>
+              <a:t> efficient search for numeric field ranges. As </a:t>
+            </a:r>
+            <a:r>
+              <a:rPr lang="en-US" baseline="0" dirty="0" err="1" smtClean="0"/>
+              <a:t>LuceneQueryVisitor</a:t>
+            </a:r>
+            <a:r>
+              <a:rPr lang="en-US" baseline="0" dirty="0" smtClean="0"/>
+              <a:t> is generic and does not have the intrinsic knowledge about types of properties used in FIQL/</a:t>
+            </a:r>
+            <a:r>
+              <a:rPr lang="en-US" baseline="0" dirty="0" err="1" smtClean="0"/>
+              <a:t>OData</a:t>
+            </a:r>
+            <a:r>
+              <a:rPr lang="en-US" baseline="0" dirty="0" smtClean="0"/>
+              <a:t> filters, it needs to be hinted about numeric nature and exact types of those. </a:t>
+            </a:r>
+            <a:r>
+              <a:rPr lang="en-US" baseline="0" dirty="0" err="1" smtClean="0"/>
+              <a:t>Luckly</a:t>
+            </a:r>
+            <a:r>
+              <a:rPr lang="en-US" baseline="0" dirty="0" smtClean="0"/>
+              <a:t>, it is very easy to do using </a:t>
+            </a:r>
+            <a:r>
+              <a:rPr kumimoji="0" lang="en-US" sz="1200" b="1" i="0" u="none" strike="noStrike" cap="none" normalizeH="0" baseline="0" dirty="0" err="1" smtClean="0">
+                <a:ln>
+                  <a:noFill/>
+                </a:ln>
+                <a:solidFill>
+                  <a:srgbClr val="000000"/>
+                </a:solidFill>
+                <a:effectLst/>
+                <a:latin typeface="Consolas" pitchFamily="49" charset="0"/>
+                <a:cs typeface="Consolas" pitchFamily="49" charset="0"/>
+              </a:rPr>
+              <a:t>p</a:t>
+            </a:r>
+            <a:r>
+              <a:rPr kumimoji="0" lang="en-US" sz="1200" b="1" i="0" u="none" strike="noStrike" cap="none" normalizeH="0" baseline="0" dirty="0" err="1" smtClean="0">
+                <a:ln>
+                  <a:noFill/>
+                </a:ln>
+                <a:solidFill>
+                  <a:srgbClr val="000000"/>
+                </a:solidFill>
+                <a:effectLst/>
+                <a:latin typeface="Consolas" pitchFamily="49" charset="0"/>
+                <a:ea typeface="Calibri" pitchFamily="34" charset="0"/>
+                <a:cs typeface="Consolas" pitchFamily="49" charset="0"/>
+              </a:rPr>
+              <a:t>rimitiveFieldTypeMap</a:t>
+            </a:r>
+            <a:r>
+              <a:rPr kumimoji="0" lang="en-US" sz="1200" b="0" i="0" u="none" strike="noStrike" cap="none" normalizeH="0" baseline="0" dirty="0" smtClean="0">
+                <a:ln>
+                  <a:noFill/>
+                </a:ln>
+                <a:solidFill>
+                  <a:srgbClr val="000000"/>
+                </a:solidFill>
+                <a:effectLst/>
+                <a:latin typeface="Consolas" pitchFamily="49" charset="0"/>
+                <a:ea typeface="Calibri" pitchFamily="34" charset="0"/>
+                <a:cs typeface="Consolas" pitchFamily="49" charset="0"/>
+              </a:rPr>
+              <a:t>.</a:t>
+            </a:r>
+            <a:endParaRPr lang="en-US" dirty="0"/>
+          </a:p>
+        </p:txBody>
+      </p:sp>
+      <p:sp>
+        <p:nvSpPr>
+          <p:cNvPr id="4" name="Slide Number Placeholder 3"/>
+          <p:cNvSpPr>
+            <a:spLocks noGrp="1"/>
+          </p:cNvSpPr>
+          <p:nvPr>
+            <p:ph type="sldNum" sz="quarter" idx="10"/>
+          </p:nvPr>
+        </p:nvSpPr>
+        <p:spPr/>
+        <p:txBody>
+          <a:bodyPr/>
+          <a:lstStyle/>
+          <a:p>
+            <a:fld id="{A6EF3A1D-1CB9-41EE-AA84-2B6F8C20BD34}" type="slidenum">
+              <a:rPr lang="en-US" smtClean="0"/>
+              <a:pPr/>
+              <a:t>16</a:t>
+            </a:fld>
+            <a:endParaRPr lang="en-US"/>
+          </a:p>
+        </p:txBody>
+      </p:sp>
+    </p:spTree>
+  </p:cSld>
+  <p:clrMapOvr>
+    <a:masterClrMapping/>
+  </p:clrMapOvr>
+</p:notes>
+</file>
+
+<file path=ppt/notesSlides/notesSlide16.xml><?xml version="1.0" encoding="utf-8"?>
+<p:notes xmlns:a="http://schemas.openxmlformats.org/drawingml/2006/main" xmlns:r="http://schemas.openxmlformats.org/officeDocument/2006/relationships" xmlns:p="http://schemas.openxmlformats.org/presentationml/2006/main">
+  <p:cSld>
+    <p:spTree>
+      <p:nvGrpSpPr>
+        <p:cNvPr id="1" name=""/>
+        <p:cNvGrpSpPr/>
+        <p:nvPr/>
+      </p:nvGrpSpPr>
+      <p:grpSpPr>
+        <a:xfrm>
+          <a:off x="0" y="0"/>
+          <a:ext cx="0" cy="0"/>
+          <a:chOff x="0" y="0"/>
+          <a:chExt cx="0" cy="0"/>
+        </a:xfrm>
+      </p:grpSpPr>
+      <p:sp>
+        <p:nvSpPr>
+          <p:cNvPr id="2" name="Slide Image Placeholder 1"/>
+          <p:cNvSpPr>
+            <a:spLocks noGrp="1" noRot="1" noChangeAspect="1"/>
+          </p:cNvSpPr>
+          <p:nvPr>
+            <p:ph type="sldImg"/>
+          </p:nvPr>
+        </p:nvSpPr>
+        <p:spPr/>
+      </p:sp>
+      <p:sp>
+        <p:nvSpPr>
+          <p:cNvPr id="3" name="Notes Placeholder 2"/>
+          <p:cNvSpPr>
+            <a:spLocks noGrp="1"/>
+          </p:cNvSpPr>
+          <p:nvPr>
+            <p:ph type="body" idx="1"/>
+          </p:nvPr>
+        </p:nvSpPr>
+        <p:spPr/>
+        <p:txBody>
+          <a:bodyPr>
+            <a:normAutofit/>
+          </a:bodyPr>
+          <a:lstStyle/>
+          <a:p>
+            <a:pPr marL="0" marR="0" indent="0" algn="l" defTabSz="914400" rtl="0" eaLnBrk="1" fontAlgn="auto" latinLnBrk="0" hangingPunct="1">
+              <a:lnSpc>
+                <a:spcPct val="100000"/>
+              </a:lnSpc>
+              <a:spcBef>
+                <a:spcPts val="0"/>
+              </a:spcBef>
+              <a:spcAft>
+                <a:spcPts val="0"/>
+              </a:spcAft>
+              <a:buClrTx/>
+              <a:buSzTx/>
+              <a:buFontTx/>
+              <a:buNone/>
+              <a:tabLst/>
+              <a:defRPr/>
+            </a:pPr>
+            <a:r>
+              <a:rPr lang="en-US" dirty="0" smtClean="0"/>
+              <a:t>Similarly to </a:t>
+            </a:r>
+            <a:r>
+              <a:rPr lang="en-US" dirty="0" err="1" smtClean="0"/>
+              <a:t>NumericRangeQuery</a:t>
+            </a:r>
+            <a:r>
+              <a:rPr lang="en-US" dirty="0" smtClean="0"/>
+              <a:t>, </a:t>
+            </a:r>
+            <a:r>
+              <a:rPr lang="en-US" dirty="0" err="1" smtClean="0"/>
+              <a:t>TermRangeQuery</a:t>
+            </a:r>
+            <a:r>
+              <a:rPr lang="en-US" dirty="0" smtClean="0"/>
+              <a:t> is used to perform</a:t>
+            </a:r>
+            <a:r>
+              <a:rPr lang="en-US" baseline="0" dirty="0" smtClean="0"/>
+              <a:t> efficient search across term ranges. It is currently used to search the date fields. The </a:t>
+            </a:r>
+            <a:r>
+              <a:rPr lang="en-US" baseline="0" dirty="0" err="1" smtClean="0"/>
+              <a:t>LuceneQueryVisitor</a:t>
+            </a:r>
+            <a:r>
+              <a:rPr lang="en-US" baseline="0" dirty="0" smtClean="0"/>
+              <a:t> also needs to be hinted about temporal nature of the properties using </a:t>
+            </a:r>
+            <a:r>
+              <a:rPr kumimoji="0" lang="en-US" sz="1200" b="1" i="0" u="none" strike="noStrike" cap="none" normalizeH="0" baseline="0" dirty="0" err="1" smtClean="0">
+                <a:ln>
+                  <a:noFill/>
+                </a:ln>
+                <a:solidFill>
+                  <a:srgbClr val="000000"/>
+                </a:solidFill>
+                <a:effectLst/>
+                <a:latin typeface="Consolas" pitchFamily="49" charset="0"/>
+                <a:cs typeface="Consolas" pitchFamily="49" charset="0"/>
+              </a:rPr>
+              <a:t>p</a:t>
+            </a:r>
+            <a:r>
+              <a:rPr kumimoji="0" lang="en-US" sz="1200" b="1" i="0" u="none" strike="noStrike" cap="none" normalizeH="0" baseline="0" dirty="0" err="1" smtClean="0">
+                <a:ln>
+                  <a:noFill/>
+                </a:ln>
+                <a:solidFill>
+                  <a:srgbClr val="000000"/>
+                </a:solidFill>
+                <a:effectLst/>
+                <a:latin typeface="Consolas" pitchFamily="49" charset="0"/>
+                <a:ea typeface="Calibri" pitchFamily="34" charset="0"/>
+                <a:cs typeface="Consolas" pitchFamily="49" charset="0"/>
+              </a:rPr>
+              <a:t>rimitiveFieldTypeMap</a:t>
+            </a:r>
+            <a:r>
+              <a:rPr kumimoji="0" lang="en-US" sz="1200" b="0" i="0" u="none" strike="noStrike" cap="none" normalizeH="0" baseline="0" dirty="0" smtClean="0">
+                <a:ln>
+                  <a:noFill/>
+                </a:ln>
+                <a:solidFill>
+                  <a:srgbClr val="000000"/>
+                </a:solidFill>
+                <a:effectLst/>
+                <a:latin typeface="Consolas" pitchFamily="49" charset="0"/>
+                <a:ea typeface="Calibri" pitchFamily="34" charset="0"/>
+                <a:cs typeface="Consolas" pitchFamily="49" charset="0"/>
+              </a:rPr>
+              <a:t>.</a:t>
+            </a:r>
+            <a:endParaRPr lang="en-US" dirty="0" smtClean="0"/>
+          </a:p>
+          <a:p>
+            <a:endParaRPr lang="en-US" dirty="0"/>
+          </a:p>
+        </p:txBody>
+      </p:sp>
+      <p:sp>
+        <p:nvSpPr>
+          <p:cNvPr id="4" name="Slide Number Placeholder 3"/>
+          <p:cNvSpPr>
+            <a:spLocks noGrp="1"/>
+          </p:cNvSpPr>
+          <p:nvPr>
+            <p:ph type="sldNum" sz="quarter" idx="10"/>
+          </p:nvPr>
+        </p:nvSpPr>
+        <p:spPr/>
+        <p:txBody>
+          <a:bodyPr/>
+          <a:lstStyle/>
+          <a:p>
+            <a:fld id="{A6EF3A1D-1CB9-41EE-AA84-2B6F8C20BD34}" type="slidenum">
+              <a:rPr lang="en-US" smtClean="0"/>
+              <a:pPr/>
+              <a:t>17</a:t>
+            </a:fld>
+            <a:endParaRPr lang="en-US"/>
+          </a:p>
+        </p:txBody>
+      </p:sp>
+    </p:spTree>
+  </p:cSld>
+  <p:clrMapOvr>
+    <a:masterClrMapping/>
+  </p:clrMapOvr>
+</p:notes>
+</file>
+
+<file path=ppt/notesSlides/notesSlide17.xml><?xml version="1.0" encoding="utf-8"?>
+<p:notes xmlns:a="http://schemas.openxmlformats.org/drawingml/2006/main" xmlns:r="http://schemas.openxmlformats.org/officeDocument/2006/relationships" xmlns:p="http://schemas.openxmlformats.org/presentationml/2006/main">
+  <p:cSld>
+    <p:spTree>
+      <p:nvGrpSpPr>
+        <p:cNvPr id="1" name=""/>
+        <p:cNvGrpSpPr/>
+        <p:nvPr/>
+      </p:nvGrpSpPr>
+      <p:grpSpPr>
+        <a:xfrm>
+          <a:off x="0" y="0"/>
+          <a:ext cx="0" cy="0"/>
+          <a:chOff x="0" y="0"/>
+          <a:chExt cx="0" cy="0"/>
+        </a:xfrm>
+      </p:grpSpPr>
+      <p:sp>
+        <p:nvSpPr>
+          <p:cNvPr id="2" name="Slide Image Placeholder 1"/>
+          <p:cNvSpPr>
+            <a:spLocks noGrp="1" noRot="1" noChangeAspect="1"/>
+          </p:cNvSpPr>
+          <p:nvPr>
+            <p:ph type="sldImg"/>
+          </p:nvPr>
+        </p:nvSpPr>
+        <p:spPr/>
+      </p:sp>
+      <p:sp>
+        <p:nvSpPr>
+          <p:cNvPr id="3" name="Notes Placeholder 2"/>
+          <p:cNvSpPr>
+            <a:spLocks noGrp="1"/>
+          </p:cNvSpPr>
+          <p:nvPr>
+            <p:ph type="body" idx="1"/>
+          </p:nvPr>
+        </p:nvSpPr>
+        <p:spPr/>
+        <p:txBody>
+          <a:bodyPr>
+            <a:normAutofit/>
+          </a:bodyPr>
+          <a:lstStyle/>
+          <a:p>
+            <a:r>
+              <a:rPr lang="en-US" dirty="0" err="1" smtClean="0"/>
+              <a:t>BooleanQuery</a:t>
+            </a:r>
+            <a:r>
+              <a:rPr lang="en-US" baseline="0" dirty="0" smtClean="0"/>
+              <a:t> is the compositional one, which is used to combine other queries with </a:t>
+            </a:r>
+            <a:r>
+              <a:rPr lang="en-US" b="1" baseline="0" dirty="0" smtClean="0"/>
+              <a:t>and / or </a:t>
+            </a:r>
+            <a:r>
+              <a:rPr lang="en-US" baseline="0" dirty="0" smtClean="0"/>
+              <a:t>conditions.</a:t>
+            </a:r>
+            <a:endParaRPr lang="en-US" dirty="0"/>
+          </a:p>
+        </p:txBody>
+      </p:sp>
+      <p:sp>
+        <p:nvSpPr>
+          <p:cNvPr id="4" name="Slide Number Placeholder 3"/>
+          <p:cNvSpPr>
+            <a:spLocks noGrp="1"/>
+          </p:cNvSpPr>
+          <p:nvPr>
+            <p:ph type="sldNum" sz="quarter" idx="10"/>
+          </p:nvPr>
+        </p:nvSpPr>
+        <p:spPr/>
+        <p:txBody>
+          <a:bodyPr/>
+          <a:lstStyle/>
+          <a:p>
+            <a:fld id="{A6EF3A1D-1CB9-41EE-AA84-2B6F8C20BD34}" type="slidenum">
+              <a:rPr lang="en-US" smtClean="0"/>
+              <a:pPr/>
+              <a:t>18</a:t>
+            </a:fld>
+            <a:endParaRPr lang="en-US"/>
+          </a:p>
+        </p:txBody>
+      </p:sp>
+    </p:spTree>
+  </p:cSld>
+  <p:clrMapOvr>
+    <a:masterClrMapping/>
+  </p:clrMapOvr>
+</p:notes>
+</file>
+
+<file path=ppt/notesSlides/notesSlide18.xml><?xml version="1.0" encoding="utf-8"?>
+<p:notes xmlns:a="http://schemas.openxmlformats.org/drawingml/2006/main" xmlns:r="http://schemas.openxmlformats.org/officeDocument/2006/relationships" xmlns:p="http://schemas.openxmlformats.org/presentationml/2006/main">
+  <p:cSld>
+    <p:spTree>
+      <p:nvGrpSpPr>
+        <p:cNvPr id="1" name=""/>
+        <p:cNvGrpSpPr/>
+        <p:nvPr/>
+      </p:nvGrpSpPr>
+      <p:grpSpPr>
+        <a:xfrm>
+          <a:off x="0" y="0"/>
+          <a:ext cx="0" cy="0"/>
+          <a:chOff x="0" y="0"/>
+          <a:chExt cx="0" cy="0"/>
+        </a:xfrm>
+      </p:grpSpPr>
+      <p:sp>
+        <p:nvSpPr>
+          <p:cNvPr id="2" name="Slide Image Placeholder 1"/>
+          <p:cNvSpPr>
+            <a:spLocks noGrp="1" noRot="1" noChangeAspect="1"/>
+          </p:cNvSpPr>
+          <p:nvPr>
+            <p:ph type="sldImg"/>
+          </p:nvPr>
+        </p:nvSpPr>
+        <p:spPr/>
+      </p:sp>
+      <p:sp>
+        <p:nvSpPr>
+          <p:cNvPr id="3" name="Notes Placeholder 2"/>
+          <p:cNvSpPr>
+            <a:spLocks noGrp="1"/>
+          </p:cNvSpPr>
+          <p:nvPr>
+            <p:ph type="body" idx="1"/>
+          </p:nvPr>
+        </p:nvSpPr>
+        <p:spPr/>
+        <p:txBody>
+          <a:bodyPr>
+            <a:normAutofit/>
+          </a:bodyPr>
+          <a:lstStyle/>
+          <a:p>
+            <a:r>
+              <a:rPr lang="en-US" dirty="0" smtClean="0"/>
+              <a:t>So far</a:t>
+            </a:r>
+            <a:r>
+              <a:rPr lang="en-US" baseline="0" dirty="0" smtClean="0"/>
+              <a:t> we talked about search, different types of queries and their combination. But every search query should be run against the index which is built using the real data. We are switching gears a bit from the “How to search …” topic to “What data we are going to search against …”. </a:t>
+            </a:r>
+          </a:p>
+          <a:p>
+            <a:endParaRPr lang="en-US" baseline="0" dirty="0" smtClean="0"/>
+          </a:p>
+          <a:p>
+            <a:r>
+              <a:rPr lang="en-US" baseline="0" dirty="0" smtClean="0"/>
+              <a:t>In general, indexing raw binary files as-is is not very good idea. And though files with markup (like XML, HTML) are human-readable and could be indexed as-is, they introduce a lot of noise (markup tags) which should better be removed before polluting index.</a:t>
+            </a:r>
+            <a:endParaRPr lang="en-US" dirty="0"/>
+          </a:p>
+        </p:txBody>
+      </p:sp>
+      <p:sp>
+        <p:nvSpPr>
+          <p:cNvPr id="4" name="Slide Number Placeholder 3"/>
+          <p:cNvSpPr>
+            <a:spLocks noGrp="1"/>
+          </p:cNvSpPr>
+          <p:nvPr>
+            <p:ph type="sldNum" sz="quarter" idx="10"/>
+          </p:nvPr>
+        </p:nvSpPr>
+        <p:spPr/>
+        <p:txBody>
+          <a:bodyPr/>
+          <a:lstStyle/>
+          <a:p>
+            <a:fld id="{A6EF3A1D-1CB9-41EE-AA84-2B6F8C20BD34}" type="slidenum">
+              <a:rPr lang="en-US" smtClean="0"/>
+              <a:pPr/>
+              <a:t>19</a:t>
+            </a:fld>
+            <a:endParaRPr lang="en-US"/>
+          </a:p>
+        </p:txBody>
+      </p:sp>
+    </p:spTree>
+  </p:cSld>
+  <p:clrMapOvr>
+    <a:masterClrMapping/>
+  </p:clrMapOvr>
+</p:notes>
+</file>
+
+<file path=ppt/notesSlides/notesSlide19.xml><?xml version="1.0" encoding="utf-8"?>
+<p:notes xmlns:a="http://schemas.openxmlformats.org/drawingml/2006/main" xmlns:r="http://schemas.openxmlformats.org/officeDocument/2006/relationships" xmlns:p="http://schemas.openxmlformats.org/presentationml/2006/main">
+  <p:cSld>
+    <p:spTree>
+      <p:nvGrpSpPr>
+        <p:cNvPr id="1" name=""/>
+        <p:cNvGrpSpPr/>
+        <p:nvPr/>
+      </p:nvGrpSpPr>
+      <p:grpSpPr>
+        <a:xfrm>
+          <a:off x="0" y="0"/>
+          <a:ext cx="0" cy="0"/>
+          <a:chOff x="0" y="0"/>
+          <a:chExt cx="0" cy="0"/>
+        </a:xfrm>
+      </p:grpSpPr>
+      <p:sp>
+        <p:nvSpPr>
+          <p:cNvPr id="2" name="Slide Image Placeholder 1"/>
+          <p:cNvSpPr>
+            <a:spLocks noGrp="1" noRot="1" noChangeAspect="1"/>
+          </p:cNvSpPr>
+          <p:nvPr>
+            <p:ph type="sldImg"/>
+          </p:nvPr>
+        </p:nvSpPr>
+        <p:spPr/>
+      </p:sp>
+      <p:sp>
+        <p:nvSpPr>
+          <p:cNvPr id="3" name="Notes Placeholder 2"/>
+          <p:cNvSpPr>
+            <a:spLocks noGrp="1"/>
+          </p:cNvSpPr>
+          <p:nvPr>
+            <p:ph type="body" idx="1"/>
+          </p:nvPr>
+        </p:nvSpPr>
+        <p:spPr/>
+        <p:txBody>
+          <a:bodyPr>
+            <a:normAutofit/>
+          </a:bodyPr>
+          <a:lstStyle/>
+          <a:p>
+            <a:endParaRPr lang="en-US" dirty="0"/>
+          </a:p>
+        </p:txBody>
+      </p:sp>
+      <p:sp>
+        <p:nvSpPr>
+          <p:cNvPr id="4" name="Slide Number Placeholder 3"/>
+          <p:cNvSpPr>
+            <a:spLocks noGrp="1"/>
+          </p:cNvSpPr>
+          <p:nvPr>
+            <p:ph type="sldNum" sz="quarter" idx="10"/>
+          </p:nvPr>
+        </p:nvSpPr>
+        <p:spPr/>
+        <p:txBody>
+          <a:bodyPr/>
+          <a:lstStyle/>
+          <a:p>
+            <a:fld id="{A6EF3A1D-1CB9-41EE-AA84-2B6F8C20BD34}" type="slidenum">
+              <a:rPr lang="en-US" smtClean="0"/>
+              <a:pPr/>
+              <a:t>20</a:t>
             </a:fld>
             <a:endParaRPr lang="en-US"/>
           </a:p>
@@ -890,7 +1867,205 @@
             <a:fld id="{A6EF3A1D-1CB9-41EE-AA84-2B6F8C20BD34}" type="slidenum">
               <a:rPr lang="en-US" smtClean="0"/>
               <a:pPr/>
-              <a:t>3</a:t>
+              <a:t>2</a:t>
+            </a:fld>
+            <a:endParaRPr lang="en-US"/>
+          </a:p>
+        </p:txBody>
+      </p:sp>
+    </p:spTree>
+  </p:cSld>
+  <p:clrMapOvr>
+    <a:masterClrMapping/>
+  </p:clrMapOvr>
+</p:notes>
+</file>
+
+<file path=ppt/notesSlides/notesSlide20.xml><?xml version="1.0" encoding="utf-8"?>
+<p:notes xmlns:a="http://schemas.openxmlformats.org/drawingml/2006/main" xmlns:r="http://schemas.openxmlformats.org/officeDocument/2006/relationships" xmlns:p="http://schemas.openxmlformats.org/presentationml/2006/main">
+  <p:cSld>
+    <p:spTree>
+      <p:nvGrpSpPr>
+        <p:cNvPr id="1" name=""/>
+        <p:cNvGrpSpPr/>
+        <p:nvPr/>
+      </p:nvGrpSpPr>
+      <p:grpSpPr>
+        <a:xfrm>
+          <a:off x="0" y="0"/>
+          <a:ext cx="0" cy="0"/>
+          <a:chOff x="0" y="0"/>
+          <a:chExt cx="0" cy="0"/>
+        </a:xfrm>
+      </p:grpSpPr>
+      <p:sp>
+        <p:nvSpPr>
+          <p:cNvPr id="2" name="Slide Image Placeholder 1"/>
+          <p:cNvSpPr>
+            <a:spLocks noGrp="1" noRot="1" noChangeAspect="1"/>
+          </p:cNvSpPr>
+          <p:nvPr>
+            <p:ph type="sldImg"/>
+          </p:nvPr>
+        </p:nvSpPr>
+        <p:spPr/>
+      </p:sp>
+      <p:sp>
+        <p:nvSpPr>
+          <p:cNvPr id="3" name="Notes Placeholder 2"/>
+          <p:cNvSpPr>
+            <a:spLocks noGrp="1"/>
+          </p:cNvSpPr>
+          <p:nvPr>
+            <p:ph type="body" idx="1"/>
+          </p:nvPr>
+        </p:nvSpPr>
+        <p:spPr/>
+        <p:txBody>
+          <a:bodyPr>
+            <a:normAutofit/>
+          </a:bodyPr>
+          <a:lstStyle/>
+          <a:p>
+            <a:r>
+              <a:rPr lang="en-US" dirty="0" err="1" smtClean="0"/>
+              <a:t>TikaContent</a:t>
+            </a:r>
+            <a:r>
+              <a:rPr lang="en-US" baseline="0" dirty="0" smtClean="0"/>
+              <a:t> is generic representation of raw text and metadata, extracted form the file</a:t>
+            </a:r>
+          </a:p>
+          <a:p>
+            <a:r>
+              <a:rPr lang="en-US" baseline="0" dirty="0" err="1" smtClean="0"/>
+              <a:t>TikaLucene</a:t>
+            </a:r>
+            <a:r>
+              <a:rPr lang="en-US" dirty="0" err="1" smtClean="0"/>
+              <a:t>ContentExtractor</a:t>
+            </a:r>
+            <a:r>
+              <a:rPr lang="en-US" baseline="0" dirty="0" smtClean="0"/>
+              <a:t> returns ready to use </a:t>
+            </a:r>
+            <a:r>
+              <a:rPr lang="en-US" baseline="0" dirty="0" err="1" smtClean="0"/>
+              <a:t>Lucene</a:t>
+            </a:r>
+            <a:r>
+              <a:rPr lang="en-US" baseline="0" dirty="0" smtClean="0"/>
+              <a:t> document, which could be indexed right away</a:t>
+            </a:r>
+            <a:endParaRPr lang="en-US" dirty="0"/>
+          </a:p>
+        </p:txBody>
+      </p:sp>
+      <p:sp>
+        <p:nvSpPr>
+          <p:cNvPr id="4" name="Slide Number Placeholder 3"/>
+          <p:cNvSpPr>
+            <a:spLocks noGrp="1"/>
+          </p:cNvSpPr>
+          <p:nvPr>
+            <p:ph type="sldNum" sz="quarter" idx="10"/>
+          </p:nvPr>
+        </p:nvSpPr>
+        <p:spPr/>
+        <p:txBody>
+          <a:bodyPr/>
+          <a:lstStyle/>
+          <a:p>
+            <a:fld id="{A6EF3A1D-1CB9-41EE-AA84-2B6F8C20BD34}" type="slidenum">
+              <a:rPr lang="en-US" smtClean="0"/>
+              <a:pPr/>
+              <a:t>22</a:t>
+            </a:fld>
+            <a:endParaRPr lang="en-US"/>
+          </a:p>
+        </p:txBody>
+      </p:sp>
+    </p:spTree>
+  </p:cSld>
+  <p:clrMapOvr>
+    <a:masterClrMapping/>
+  </p:clrMapOvr>
+</p:notes>
+</file>
+
+<file path=ppt/notesSlides/notesSlide21.xml><?xml version="1.0" encoding="utf-8"?>
+<p:notes xmlns:a="http://schemas.openxmlformats.org/drawingml/2006/main" xmlns:r="http://schemas.openxmlformats.org/officeDocument/2006/relationships" xmlns:p="http://schemas.openxmlformats.org/presentationml/2006/main">
+  <p:cSld>
+    <p:spTree>
+      <p:nvGrpSpPr>
+        <p:cNvPr id="1" name=""/>
+        <p:cNvGrpSpPr/>
+        <p:nvPr/>
+      </p:nvGrpSpPr>
+      <p:grpSpPr>
+        <a:xfrm>
+          <a:off x="0" y="0"/>
+          <a:ext cx="0" cy="0"/>
+          <a:chOff x="0" y="0"/>
+          <a:chExt cx="0" cy="0"/>
+        </a:xfrm>
+      </p:grpSpPr>
+      <p:sp>
+        <p:nvSpPr>
+          <p:cNvPr id="2" name="Slide Image Placeholder 1"/>
+          <p:cNvSpPr>
+            <a:spLocks noGrp="1" noRot="1" noChangeAspect="1"/>
+          </p:cNvSpPr>
+          <p:nvPr>
+            <p:ph type="sldImg"/>
+          </p:nvPr>
+        </p:nvSpPr>
+        <p:spPr/>
+      </p:sp>
+      <p:sp>
+        <p:nvSpPr>
+          <p:cNvPr id="3" name="Notes Placeholder 2"/>
+          <p:cNvSpPr>
+            <a:spLocks noGrp="1"/>
+          </p:cNvSpPr>
+          <p:nvPr>
+            <p:ph type="body" idx="1"/>
+          </p:nvPr>
+        </p:nvSpPr>
+        <p:spPr/>
+        <p:txBody>
+          <a:bodyPr>
+            <a:normAutofit/>
+          </a:bodyPr>
+          <a:lstStyle/>
+          <a:p>
+            <a:r>
+              <a:rPr lang="en-US" dirty="0" smtClean="0"/>
+              <a:t>[Draft]</a:t>
+            </a:r>
+            <a:endParaRPr lang="en-US" dirty="0"/>
+          </a:p>
+        </p:txBody>
+      </p:sp>
+      <p:sp>
+        <p:nvSpPr>
+          <p:cNvPr id="4" name="Slide Number Placeholder 3"/>
+          <p:cNvSpPr>
+            <a:spLocks noGrp="1"/>
+          </p:cNvSpPr>
+          <p:nvPr>
+            <p:ph type="sldNum" sz="quarter" idx="10"/>
+          </p:nvPr>
+        </p:nvSpPr>
+        <p:spPr/>
+        <p:txBody>
+          <a:bodyPr/>
+          <a:lstStyle/>
+          <a:p>
+            <a:fld id="{A6EF3A1D-1CB9-41EE-AA84-2B6F8C20BD34}" type="slidenum">
+              <a:rPr lang="en-US" smtClean="0"/>
+              <a:pPr/>
+              <a:t>27</a:t>
             </a:fld>
             <a:endParaRPr lang="en-US"/>
           </a:p>
@@ -952,7 +2127,11 @@
           <a:p>
             <a:r>
               <a:rPr lang="en-US" dirty="0" smtClean="0"/>
-              <a:t>No access to TCK</a:t>
+              <a:t>We are going to talk about REST</a:t>
+            </a:r>
+            <a:r>
+              <a:rPr lang="en-US" baseline="0" dirty="0" smtClean="0"/>
+              <a:t> APIs in Java world, more specifically about applications which are using JAX-RS 2.0 / JSR-339 as the foundation. Nowadays, it is quite rare to encounter an API which does not support any kind of search or filtering functionality over the resources it manages (for example, users, customers, invoices, companies, …). For sure, the needs of every API are quite domain specific, however in the essence it narrows down to very similar search / filtering implementations. Why not to come up with a generic, JAX-RS friendly implementation of this feature so any API could immediately benefit from that?</a:t>
             </a:r>
             <a:endParaRPr lang="en-US" dirty="0"/>
           </a:p>
@@ -976,7 +2155,7 @@
             <a:fld id="{A6EF3A1D-1CB9-41EE-AA84-2B6F8C20BD34}" type="slidenum">
               <a:rPr lang="en-US" smtClean="0"/>
               <a:pPr/>
-              <a:t>4</a:t>
+              <a:t>3</a:t>
             </a:fld>
             <a:endParaRPr lang="en-US"/>
           </a:p>
@@ -1038,7 +2217,27 @@
           <a:p>
             <a:r>
               <a:rPr lang="en-US" dirty="0" smtClean="0"/>
-              <a:t>[Draft]</a:t>
+              <a:t>This is where Apache</a:t>
+            </a:r>
+            <a:r>
+              <a:rPr lang="en-US" baseline="0" dirty="0" smtClean="0"/>
+              <a:t> CXF comes on the rescue. </a:t>
+            </a:r>
+            <a:r>
+              <a:rPr lang="en-US" dirty="0" smtClean="0"/>
+              <a:t>Apache</a:t>
+            </a:r>
+            <a:r>
+              <a:rPr lang="en-US" baseline="0" dirty="0" smtClean="0"/>
+              <a:t> CXF is as complete as possible JAX-RS 2.0 compliant but because Apache has no </a:t>
+            </a:r>
+            <a:r>
+              <a:rPr lang="en-US" dirty="0" smtClean="0"/>
+              <a:t>access to TCK, the “full compliance” cannot</a:t>
+            </a:r>
+            <a:r>
+              <a:rPr lang="en-US" baseline="0" dirty="0" smtClean="0"/>
+              <a:t> be claimed. The project is very mature and is actively evolving, adding more and more features with every single release.</a:t>
             </a:r>
             <a:endParaRPr lang="en-US" dirty="0"/>
           </a:p>
@@ -1062,7 +2261,7 @@
             <a:fld id="{A6EF3A1D-1CB9-41EE-AA84-2B6F8C20BD34}" type="slidenum">
               <a:rPr lang="en-US" smtClean="0"/>
               <a:pPr/>
-              <a:t>6</a:t>
+              <a:t>4</a:t>
             </a:fld>
             <a:endParaRPr lang="en-US"/>
           </a:p>
@@ -1122,29 +2321,22 @@
           </a:bodyPr>
           <a:lstStyle/>
           <a:p>
-            <a:pPr marL="0" marR="0" indent="0" algn="l" defTabSz="914400" rtl="0" eaLnBrk="1" fontAlgn="auto" latinLnBrk="0" hangingPunct="1">
-              <a:lnSpc>
-                <a:spcPct val="100000"/>
-              </a:lnSpc>
-              <a:spcBef>
-                <a:spcPts val="0"/>
-              </a:spcBef>
-              <a:spcAft>
-                <a:spcPts val="0"/>
-              </a:spcAft>
-              <a:buClrTx/>
-              <a:buSzTx/>
-              <a:buFontTx/>
-              <a:buNone/>
-              <a:tabLst/>
-              <a:defRPr/>
-            </a:pPr>
             <a:r>
               <a:rPr lang="en-US" dirty="0" smtClean="0"/>
-              <a:t>[Draft]</a:t>
-            </a:r>
-          </a:p>
-          <a:p>
+              <a:t>Apache CXF search extension is a</a:t>
+            </a:r>
+            <a:r>
+              <a:rPr lang="en-US" baseline="0" dirty="0" smtClean="0"/>
+              <a:t> generic search feature implementation, provided and exposed in JAX-RS friendly way. It is build around additional query string parameter which contains an expressions to perform the search over REST resources. Currently, the two expression dialects are support: FIQL and </a:t>
+            </a:r>
+            <a:r>
+              <a:rPr lang="en-US" baseline="0" dirty="0" err="1" smtClean="0"/>
+              <a:t>OData</a:t>
+            </a:r>
+            <a:r>
+              <a:rPr lang="en-US" baseline="0" dirty="0" smtClean="0"/>
+              <a:t> 2.0 URI filters. Here is a quick example to taste.</a:t>
+            </a:r>
             <a:endParaRPr lang="en-US" dirty="0"/>
           </a:p>
         </p:txBody>
@@ -1167,7 +2359,7 @@
             <a:fld id="{A6EF3A1D-1CB9-41EE-AA84-2B6F8C20BD34}" type="slidenum">
               <a:rPr lang="en-US" smtClean="0"/>
               <a:pPr/>
-              <a:t>7</a:t>
+              <a:t>5</a:t>
             </a:fld>
             <a:endParaRPr lang="en-US"/>
           </a:p>
@@ -1227,6 +2419,18 @@
           </a:bodyPr>
           <a:lstStyle/>
           <a:p>
+            <a:r>
+              <a:rPr lang="en-US" dirty="0" smtClean="0"/>
+              <a:t>Few words about FIQL. It is</a:t>
+            </a:r>
+            <a:r>
+              <a:rPr lang="en-US" baseline="0" dirty="0" smtClean="0"/>
+              <a:t> quite simple and uses the ‘equal’ sign to denote operators, ‘;’ as and condition, ‘,’ as or condition and brackets to </a:t>
+            </a:r>
+            <a:r>
+              <a:rPr lang="en-US" baseline="0" smtClean="0"/>
+              <a:t>group expressions. </a:t>
+            </a:r>
             <a:endParaRPr lang="en-US" dirty="0"/>
           </a:p>
         </p:txBody>
@@ -1249,7 +2453,7 @@
             <a:fld id="{A6EF3A1D-1CB9-41EE-AA84-2B6F8C20BD34}" type="slidenum">
               <a:rPr lang="en-US" smtClean="0"/>
               <a:pPr/>
-              <a:t>10</a:t>
+              <a:t>6</a:t>
             </a:fld>
             <a:endParaRPr lang="en-US"/>
           </a:p>
@@ -1309,14 +2513,97 @@
           </a:bodyPr>
           <a:lstStyle/>
           <a:p>
+            <a:pPr marL="0" marR="0" indent="0" algn="l" defTabSz="914400" rtl="0" eaLnBrk="1" fontAlgn="auto" latinLnBrk="0" hangingPunct="1">
+              <a:lnSpc>
+                <a:spcPct val="100000"/>
+              </a:lnSpc>
+              <a:spcBef>
+                <a:spcPts val="0"/>
+              </a:spcBef>
+              <a:spcAft>
+                <a:spcPts val="0"/>
+              </a:spcAft>
+              <a:buClrTx/>
+              <a:buSzTx/>
+              <a:buFontTx/>
+              <a:buNone/>
+              <a:tabLst/>
+              <a:defRPr/>
+            </a:pPr>
+            <a:r>
+              <a:rPr lang="en-US" dirty="0" err="1" smtClean="0"/>
+              <a:t>OData</a:t>
+            </a:r>
             <a:r>
               <a:rPr lang="en-US" dirty="0" smtClean="0"/>
-              <a:t>Comments</a:t>
+              <a:t> is a very well known</a:t>
             </a:r>
             <a:r>
               <a:rPr lang="en-US" baseline="0" dirty="0" smtClean="0"/>
-              <a:t> about type-safety here</a:t>
-            </a:r>
+              <a:t> and widely used </a:t>
+            </a:r>
+            <a:r>
+              <a:rPr lang="en-US" baseline="0" dirty="0" err="1" smtClean="0"/>
+              <a:t>RESTful</a:t>
+            </a:r>
+            <a:r>
+              <a:rPr lang="en-US" baseline="0" dirty="0" smtClean="0"/>
+              <a:t> data access protocol (current version is 4). It has a lot of things to offer, but one of the very interesting features is URI query options (like </a:t>
+            </a:r>
+            <a:r>
+              <a:rPr lang="en-US" b="1" baseline="0" dirty="0" smtClean="0"/>
+              <a:t>$</a:t>
+            </a:r>
+            <a:r>
+              <a:rPr lang="en-US" b="1" baseline="0" dirty="0" err="1" smtClean="0"/>
+              <a:t>orderby</a:t>
+            </a:r>
+            <a:r>
+              <a:rPr lang="en-US" baseline="0" dirty="0" smtClean="0"/>
+              <a:t>, </a:t>
+            </a:r>
+            <a:r>
+              <a:rPr lang="en-US" b="1" baseline="0" dirty="0" smtClean="0"/>
+              <a:t>$filter</a:t>
+            </a:r>
+            <a:r>
+              <a:rPr lang="en-US" baseline="0" dirty="0" smtClean="0"/>
+              <a:t>, …). Apache CXF search extension supports </a:t>
+            </a:r>
+            <a:r>
+              <a:rPr lang="en-US" b="1" baseline="0" dirty="0" smtClean="0"/>
+              <a:t>$filter</a:t>
+            </a:r>
+            <a:r>
+              <a:rPr lang="en-US" baseline="0" dirty="0" smtClean="0"/>
+              <a:t> query option which allows to use subset of </a:t>
+            </a:r>
+            <a:r>
+              <a:rPr lang="en-US" baseline="0" dirty="0" err="1" smtClean="0"/>
+              <a:t>OData</a:t>
+            </a:r>
+            <a:r>
+              <a:rPr lang="en-US" baseline="0" dirty="0" smtClean="0"/>
+              <a:t> filtering expressions and operators. At the moment, </a:t>
+            </a:r>
+            <a:r>
+              <a:rPr lang="en-US" baseline="0" dirty="0" err="1" smtClean="0"/>
+              <a:t>OData</a:t>
+            </a:r>
+            <a:r>
+              <a:rPr lang="en-US" baseline="0" dirty="0" smtClean="0"/>
+              <a:t> 2.0 version is supported however </a:t>
+            </a:r>
+            <a:r>
+              <a:rPr lang="en-US" baseline="0" dirty="0" err="1" smtClean="0"/>
+              <a:t>OData</a:t>
+            </a:r>
+            <a:r>
+              <a:rPr lang="en-US" baseline="0" dirty="0" smtClean="0"/>
+              <a:t> 4.0 is on the list as well.</a:t>
+            </a:r>
+          </a:p>
+          <a:p>
             <a:endParaRPr lang="en-US" dirty="0"/>
           </a:p>
         </p:txBody>
@@ -1339,7 +2626,7 @@
             <a:fld id="{A6EF3A1D-1CB9-41EE-AA84-2B6F8C20BD34}" type="slidenum">
               <a:rPr lang="en-US" smtClean="0"/>
               <a:pPr/>
-              <a:t>11</a:t>
+              <a:t>7</a:t>
             </a:fld>
             <a:endParaRPr lang="en-US"/>
           </a:p>
@@ -1399,29 +2686,26 @@
           </a:bodyPr>
           <a:lstStyle/>
           <a:p>
-            <a:pPr marL="0" marR="0" indent="0" algn="l" defTabSz="914400" rtl="0" eaLnBrk="1" fontAlgn="auto" latinLnBrk="0" hangingPunct="1">
-              <a:lnSpc>
-                <a:spcPct val="100000"/>
-              </a:lnSpc>
-              <a:spcBef>
-                <a:spcPts val="0"/>
-              </a:spcBef>
-              <a:spcAft>
-                <a:spcPts val="0"/>
-              </a:spcAft>
-              <a:buClrTx/>
-              <a:buSzTx/>
-              <a:buFontTx/>
-              <a:buNone/>
-              <a:tabLst/>
-              <a:defRPr/>
-            </a:pPr>
-            <a:r>
-              <a:rPr lang="en-US" dirty="0" smtClean="0"/>
-              <a:t>Make sure this query works!</a:t>
-            </a:r>
-          </a:p>
-          <a:p>
+            <a:r>
+              <a:rPr lang="en-CA" dirty="0" smtClean="0"/>
+              <a:t>Apache</a:t>
+            </a:r>
+            <a:r>
+              <a:rPr lang="en-CA" baseline="0" dirty="0" smtClean="0"/>
+              <a:t> </a:t>
+            </a:r>
+            <a:r>
+              <a:rPr lang="en-CA" dirty="0" err="1" smtClean="0"/>
+              <a:t>Lucene</a:t>
+            </a:r>
+            <a:r>
+              <a:rPr lang="en-CA" dirty="0" smtClean="0"/>
+              <a:t> is the search library</a:t>
+            </a:r>
+            <a:r>
+              <a:rPr lang="en-CA" baseline="0" dirty="0" smtClean="0"/>
+              <a:t> for JVM-based applications and services.</a:t>
+            </a:r>
             <a:endParaRPr lang="en-US" dirty="0"/>
           </a:p>
         </p:txBody>
@@ -1444,7 +2728,7 @@
             <a:fld id="{A6EF3A1D-1CB9-41EE-AA84-2B6F8C20BD34}" type="slidenum">
               <a:rPr lang="en-US" smtClean="0"/>
               <a:pPr/>
-              <a:t>13</a:t>
+              <a:t>9</a:t>
             </a:fld>
             <a:endParaRPr lang="en-US"/>
           </a:p>
@@ -1506,7 +2790,43 @@
           <a:p>
             <a:r>
               <a:rPr lang="en-US" dirty="0" smtClean="0"/>
-              <a:t>Make sure this query works!</a:t>
+              <a:t>Knowing</a:t>
+            </a:r>
+            <a:r>
+              <a:rPr lang="en-US" baseline="0" dirty="0" smtClean="0"/>
+              <a:t> how good and popular Apache </a:t>
+            </a:r>
+            <a:r>
+              <a:rPr lang="en-US" baseline="0" dirty="0" err="1" smtClean="0"/>
+              <a:t>Lucene</a:t>
+            </a:r>
+            <a:r>
+              <a:rPr lang="en-US" baseline="0" dirty="0" smtClean="0"/>
+              <a:t>, it comes with no surprise that Apache CXF search extension has a visitor implementation which converts the search / filter expression (FIQL, </a:t>
+            </a:r>
+            <a:r>
+              <a:rPr lang="en-US" baseline="0" dirty="0" err="1" smtClean="0"/>
+              <a:t>OData</a:t>
+            </a:r>
+            <a:r>
+              <a:rPr lang="en-US" baseline="0" dirty="0" smtClean="0"/>
+              <a:t>) into full-fledge Apache </a:t>
+            </a:r>
+            <a:r>
+              <a:rPr lang="en-US" baseline="0" dirty="0" err="1" smtClean="0"/>
+              <a:t>Lucene</a:t>
+            </a:r>
+            <a:r>
+              <a:rPr lang="en-US" baseline="0" dirty="0" smtClean="0"/>
+              <a:t> query. There are so many different types of queries which </a:t>
+            </a:r>
+            <a:r>
+              <a:rPr lang="en-US" baseline="0" dirty="0" err="1" smtClean="0"/>
+              <a:t>Lucene</a:t>
+            </a:r>
+            <a:r>
+              <a:rPr lang="en-US" baseline="0" dirty="0" smtClean="0"/>
+              <a:t> supports that only a subset is being support by the visitor. We are going to talk about all those queries shortly.</a:t>
             </a:r>
             <a:endParaRPr lang="en-US" dirty="0"/>
           </a:p>
@@ -1530,7 +2850,7 @@
             <a:fld id="{A6EF3A1D-1CB9-41EE-AA84-2B6F8C20BD34}" type="slidenum">
               <a:rPr lang="en-US" smtClean="0"/>
               <a:pPr/>
-              <a:t>14</a:t>
+              <a:t>10</a:t>
             </a:fld>
             <a:endParaRPr lang="en-US"/>
           </a:p>
@@ -1726,7 +3046,7 @@
             <a:fld id="{91741119-32A3-4418-858A-E69B4A2E804A}" type="datetimeFigureOut">
               <a:rPr lang="en-US" smtClean="0"/>
               <a:pPr/>
-              <a:t>4/4/2015</a:t>
+              <a:t>4/11/2015</a:t>
             </a:fld>
             <a:endParaRPr lang="en-US"/>
           </a:p>
@@ -1893,7 +3213,7 @@
             <a:fld id="{91741119-32A3-4418-858A-E69B4A2E804A}" type="datetimeFigureOut">
               <a:rPr lang="en-US" smtClean="0"/>
               <a:pPr/>
-              <a:t>4/4/2015</a:t>
+              <a:t>4/11/2015</a:t>
             </a:fld>
             <a:endParaRPr lang="en-US"/>
           </a:p>
@@ -2070,7 +3390,7 @@
             <a:fld id="{91741119-32A3-4418-858A-E69B4A2E804A}" type="datetimeFigureOut">
               <a:rPr lang="en-US" smtClean="0"/>
               <a:pPr/>
-              <a:t>4/4/2015</a:t>
+              <a:t>4/11/2015</a:t>
             </a:fld>
             <a:endParaRPr lang="en-US"/>
           </a:p>
@@ -2237,7 +3557,7 @@
             <a:fld id="{91741119-32A3-4418-858A-E69B4A2E804A}" type="datetimeFigureOut">
               <a:rPr lang="en-US" smtClean="0"/>
               <a:pPr/>
-              <a:t>4/4/2015</a:t>
+              <a:t>4/11/2015</a:t>
             </a:fld>
             <a:endParaRPr lang="en-US"/>
           </a:p>
@@ -2480,7 +3800,7 @@
             <a:fld id="{91741119-32A3-4418-858A-E69B4A2E804A}" type="datetimeFigureOut">
               <a:rPr lang="en-US" smtClean="0"/>
               <a:pPr/>
-              <a:t>4/4/2015</a:t>
+              <a:t>4/11/2015</a:t>
             </a:fld>
             <a:endParaRPr lang="en-US"/>
           </a:p>
@@ -2765,7 +4085,7 @@
             <a:fld id="{91741119-32A3-4418-858A-E69B4A2E804A}" type="datetimeFigureOut">
               <a:rPr lang="en-US" smtClean="0"/>
               <a:pPr/>
-              <a:t>4/4/2015</a:t>
+              <a:t>4/11/2015</a:t>
             </a:fld>
             <a:endParaRPr lang="en-US"/>
           </a:p>
@@ -3184,7 +4504,7 @@
             <a:fld id="{91741119-32A3-4418-858A-E69B4A2E804A}" type="datetimeFigureOut">
               <a:rPr lang="en-US" smtClean="0"/>
               <a:pPr/>
-              <a:t>4/4/2015</a:t>
+              <a:t>4/11/2015</a:t>
             </a:fld>
             <a:endParaRPr lang="en-US"/>
           </a:p>
@@ -3299,7 +4619,7 @@
             <a:fld id="{91741119-32A3-4418-858A-E69B4A2E804A}" type="datetimeFigureOut">
               <a:rPr lang="en-US" smtClean="0"/>
               <a:pPr/>
-              <a:t>4/4/2015</a:t>
+              <a:t>4/11/2015</a:t>
             </a:fld>
             <a:endParaRPr lang="en-US"/>
           </a:p>
@@ -3391,7 +4711,7 @@
             <a:fld id="{91741119-32A3-4418-858A-E69B4A2E804A}" type="datetimeFigureOut">
               <a:rPr lang="en-US" smtClean="0"/>
               <a:pPr/>
-              <a:t>4/4/2015</a:t>
+              <a:t>4/11/2015</a:t>
             </a:fld>
             <a:endParaRPr lang="en-US"/>
           </a:p>
@@ -3665,7 +4985,7 @@
             <a:fld id="{91741119-32A3-4418-858A-E69B4A2E804A}" type="datetimeFigureOut">
               <a:rPr lang="en-US" smtClean="0"/>
               <a:pPr/>
-              <a:t>4/4/2015</a:t>
+              <a:t>4/11/2015</a:t>
             </a:fld>
             <a:endParaRPr lang="en-US"/>
           </a:p>
@@ -3915,7 +5235,7 @@
             <a:fld id="{91741119-32A3-4418-858A-E69B4A2E804A}" type="datetimeFigureOut">
               <a:rPr lang="en-US" smtClean="0"/>
               <a:pPr/>
-              <a:t>4/4/2015</a:t>
+              <a:t>4/11/2015</a:t>
             </a:fld>
             <a:endParaRPr lang="en-US"/>
           </a:p>
@@ -4125,7 +5445,7 @@
             <a:fld id="{91741119-32A3-4418-858A-E69B4A2E804A}" type="datetimeFigureOut">
               <a:rPr lang="en-US" smtClean="0"/>
               <a:pPr/>
-              <a:t>4/4/2015</a:t>
+              <a:t>4/11/2015</a:t>
             </a:fld>
             <a:endParaRPr lang="en-US"/>
           </a:p>
@@ -4967,7 +6287,19 @@
           <a:p>
             <a:r>
               <a:rPr lang="en-US" dirty="0" smtClean="0"/>
-              <a:t>Is type-safe but supports regular key/value map (aka </a:t>
+              <a:t>Search conditions are </a:t>
+            </a:r>
+            <a:r>
+              <a:rPr lang="en-US" dirty="0" smtClean="0"/>
+              <a:t>type-safe </a:t>
+            </a:r>
+            <a:r>
+              <a:rPr lang="en-US" dirty="0" smtClean="0"/>
+              <a:t>but also support key/value </a:t>
+            </a:r>
+            <a:r>
+              <a:rPr lang="en-US" dirty="0" smtClean="0"/>
+              <a:t>map (aka </a:t>
             </a:r>
             <a:r>
               <a:rPr lang="en-US" b="1" dirty="0" err="1" smtClean="0">
@@ -4982,8 +6314,9 @@
             </a:r>
             <a:r>
               <a:rPr lang="en-US" dirty="0" smtClean="0"/>
-              <a:t>) to simplify the usage</a:t>
-            </a:r>
+              <a:t>)</a:t>
+            </a:r>
+            <a:endParaRPr lang="en-US" dirty="0" smtClean="0"/>
           </a:p>
           <a:p>
             <a:endParaRPr lang="en-US" dirty="0"/>
@@ -7325,6 +8658,63 @@
           </a:p>
         </p:txBody>
       </p:sp>
+      <p:sp>
+        <p:nvSpPr>
+          <p:cNvPr id="10" name="Rectangle 9"/>
+          <p:cNvSpPr/>
+          <p:nvPr/>
+        </p:nvSpPr>
+        <p:spPr>
+          <a:xfrm>
+            <a:off x="619944" y="5611887"/>
+            <a:ext cx="8208912" cy="584775"/>
+          </a:xfrm>
+          <a:prstGeom prst="rect">
+            <a:avLst/>
+          </a:prstGeom>
+        </p:spPr>
+        <p:txBody>
+          <a:bodyPr wrap="square">
+            <a:spAutoFit/>
+          </a:bodyPr>
+          <a:lstStyle/>
+          <a:p>
+            <a:r>
+              <a:rPr lang="en-US" sz="3200" b="1" dirty="0" smtClean="0"/>
+              <a:t>*</a:t>
+            </a:r>
+            <a:r>
+              <a:rPr lang="en-US" sz="3200" b="1" dirty="0" smtClean="0">
+                <a:solidFill>
+                  <a:srgbClr val="FF0000"/>
+                </a:solidFill>
+              </a:rPr>
+              <a:t> </a:t>
+            </a:r>
+            <a:r>
+              <a:rPr lang="en-US" sz="3200" dirty="0" smtClean="0"/>
+              <a:t>the term is </a:t>
+            </a:r>
+            <a:r>
+              <a:rPr lang="en-US" sz="3200" b="1" dirty="0" smtClean="0">
+                <a:solidFill>
+                  <a:srgbClr val="FF0000"/>
+                </a:solidFill>
+              </a:rPr>
+              <a:t>lower-cased</a:t>
+            </a:r>
+            <a:r>
+              <a:rPr lang="en-US" sz="3200" dirty="0" smtClean="0"/>
+              <a:t> </a:t>
+            </a:r>
+            <a:r>
+              <a:rPr lang="en-US" sz="3200" dirty="0" smtClean="0"/>
+              <a:t>(analyzer dependent)</a:t>
+            </a:r>
+            <a:endParaRPr lang="en-US" sz="3200" b="1" dirty="0"/>
+          </a:p>
+        </p:txBody>
+      </p:sp>
     </p:spTree>
   </p:cSld>
   <p:clrMapOvr>
@@ -7911,7 +9301,7 @@
           <p:nvPr/>
         </p:nvPicPr>
         <p:blipFill>
-          <a:blip r:embed="rId2" cstate="print"/>
+          <a:blip r:embed="rId3" cstate="print"/>
           <a:srcRect/>
           <a:stretch>
             <a:fillRect/>
@@ -8209,7 +9599,7 @@
           <p:nvPr/>
         </p:nvPicPr>
         <p:blipFill>
-          <a:blip r:embed="rId2" cstate="print"/>
+          <a:blip r:embed="rId3" cstate="print"/>
           <a:srcRect/>
           <a:stretch>
             <a:fillRect/>
@@ -8770,7 +10160,7 @@
           <p:nvPr/>
         </p:nvPicPr>
         <p:blipFill>
-          <a:blip r:embed="rId2" cstate="print"/>
+          <a:blip r:embed="rId3" cstate="print"/>
           <a:srcRect/>
           <a:stretch>
             <a:fillRect/>
@@ -9392,7 +10782,7 @@
           <p:nvPr/>
         </p:nvPicPr>
         <p:blipFill>
-          <a:blip r:embed="rId2" cstate="print"/>
+          <a:blip r:embed="rId3" cstate="print"/>
           <a:srcRect/>
           <a:stretch>
             <a:fillRect/>
@@ -9776,7 +11166,7 @@
             </a:r>
             <a:r>
               <a:rPr lang="en-US" dirty="0" smtClean="0">
-                <a:hlinkClick r:id="rId2"/>
+                <a:hlinkClick r:id="rId3"/>
               </a:rPr>
               <a:t>http://aredko.blogspot.ca/</a:t>
             </a:r>
@@ -9788,7 +11178,7 @@
             </a:pPr>
             <a:r>
               <a:rPr lang="en-US" dirty="0" smtClean="0">
-                <a:hlinkClick r:id="rId3"/>
+                <a:hlinkClick r:id="rId4"/>
               </a:rPr>
               <a:t>https://github.com/reta</a:t>
             </a:r>
@@ -12868,13 +14258,7 @@
               <a:rPr lang="en-US" dirty="0" smtClean="0">
                 <a:hlinkClick r:id="rId4"/>
               </a:rPr>
-              <a:t>http://tika.apache.org</a:t>
-            </a:r>
-            <a:r>
-              <a:rPr lang="en-US" dirty="0" smtClean="0">
-                <a:hlinkClick r:id="rId4"/>
-              </a:rPr>
-              <a:t>/</a:t>
+              <a:t>http://tika.apache.org/</a:t>
             </a:r>
             <a:endParaRPr lang="en-US" dirty="0" smtClean="0"/>
           </a:p>
@@ -12883,13 +14267,7 @@
               <a:rPr lang="en-US" dirty="0" smtClean="0">
                 <a:hlinkClick r:id="rId5"/>
               </a:rPr>
-              <a:t>http://olingo.apache.org</a:t>
-            </a:r>
-            <a:r>
-              <a:rPr lang="en-US" dirty="0" smtClean="0">
-                <a:hlinkClick r:id="rId5"/>
-              </a:rPr>
-              <a:t>/</a:t>
+              <a:t>http://olingo.apache.org/</a:t>
             </a:r>
             <a:endParaRPr lang="en-US" dirty="0" smtClean="0"/>
           </a:p>
@@ -13353,7 +14731,7 @@
             </a:r>
             <a:r>
               <a:rPr lang="en-US" dirty="0" smtClean="0">
-                <a:hlinkClick r:id="rId2"/>
+                <a:hlinkClick r:id="rId3"/>
               </a:rPr>
               <a:t>Feed Item Query Language</a:t>
             </a:r>
@@ -13363,7 +14741,7 @@
             </a:r>
             <a:r>
               <a:rPr lang="en-US" dirty="0" smtClean="0">
-                <a:hlinkClick r:id="rId3"/>
+                <a:hlinkClick r:id="rId4"/>
               </a:rPr>
               <a:t>OData 2.0</a:t>
             </a:r>

--- a/slides/Apache CXF, Tika and Lucene.pptx
+++ b/slides/Apache CXF, Tika and Lucene.pptx
@@ -1679,7 +1679,7 @@
           <a:p>
             <a:r>
               <a:rPr lang="en-US" baseline="0" dirty="0" smtClean="0"/>
-              <a:t>In general, indexing raw binary files as-is is not very good idea. And though files with markup (like XML, HTML) are human-readable and could be indexed as-is, they introduce a lot of noise (markup tags) which should better be removed before polluting index.</a:t>
+              <a:t>In general, indexing raw binary files as-is is not very good idea. And though files with markup (like XML, HTML) are human-readable and could be indexed as-is, they introduce a lot of noise (tags) which should better be removed before polluting the index.</a:t>
             </a:r>
             <a:endParaRPr lang="en-US" dirty="0"/>
           </a:p>
@@ -1763,6 +1763,22 @@
           </a:bodyPr>
           <a:lstStyle/>
           <a:p>
+            <a:r>
+              <a:rPr lang="en-US" dirty="0" smtClean="0"/>
+              <a:t>Apache </a:t>
+            </a:r>
+            <a:r>
+              <a:rPr lang="en-US" dirty="0" err="1" smtClean="0"/>
+              <a:t>Tika</a:t>
+            </a:r>
+            <a:r>
+              <a:rPr lang="en-US" dirty="0" smtClean="0"/>
+              <a:t> is metadat</a:t>
+            </a:r>
+            <a:r>
+              <a:rPr lang="en-US" baseline="0" dirty="0" smtClean="0"/>
+              <a:t>a and text extraction engine. Its features are not limited only by extraction but this is what we are going to look closely at. The list of supported file formats is very impressive. Due to pluggable parser architecture, you are not required to bundle everything, pick the ones you really need now and easily add more later on. </a:t>
+            </a:r>
             <a:endParaRPr lang="en-US" dirty="0"/>
           </a:p>
         </p:txBody>
@@ -1928,34 +1944,12 @@
           <a:lstStyle/>
           <a:p>
             <a:r>
-              <a:rPr lang="en-US" dirty="0" err="1" smtClean="0"/>
-              <a:t>TikaContent</a:t>
+              <a:rPr lang="en-US" dirty="0" smtClean="0"/>
+              <a:t>Media</a:t>
             </a:r>
             <a:r>
               <a:rPr lang="en-US" baseline="0" dirty="0" smtClean="0"/>
-              <a:t> is generic representation of raw text and metadata, extracted form the file</a:t>
-            </a:r>
-          </a:p>
-          <a:p>
-            <a:r>
-              <a:rPr lang="en-US" baseline="0" dirty="0" err="1" smtClean="0"/>
-              <a:t>TikaLucene</a:t>
-            </a:r>
-            <a:r>
-              <a:rPr lang="en-US" dirty="0" err="1" smtClean="0"/>
-              <a:t>ContentExtractor</a:t>
-            </a:r>
-            <a:r>
-              <a:rPr lang="en-US" baseline="0" dirty="0" smtClean="0"/>
-              <a:t> returns ready to use </a:t>
-            </a:r>
-            <a:r>
-              <a:rPr lang="en-US" baseline="0" dirty="0" err="1" smtClean="0"/>
-              <a:t>Lucene</a:t>
-            </a:r>
-            <a:r>
-              <a:rPr lang="en-US" baseline="0" dirty="0" smtClean="0"/>
-              <a:t> document, which could be indexed right away</a:t>
+              <a:t> Type Detector is a powerful tool which tries its best to detect the real file format. It uses a combination of techniques, not relying solely on file extension. Once the media type is detected, the respective parser could be pin-pointed (if it is available). Most of the parsers extract content (often just raw text) and also metadata (author, modification/creation dates, number of pages, …).</a:t>
             </a:r>
             <a:endParaRPr lang="en-US" dirty="0"/>
           </a:p>
@@ -1979,7 +1973,7 @@
             <a:fld id="{A6EF3A1D-1CB9-41EE-AA84-2B6F8C20BD34}" type="slidenum">
               <a:rPr lang="en-US" smtClean="0"/>
               <a:pPr/>
-              <a:t>22</a:t>
+              <a:t>21</a:t>
             </a:fld>
             <a:endParaRPr lang="en-US"/>
           </a:p>
@@ -1994,6 +1988,184 @@
 </file>
 
 <file path=ppt/notesSlides/notesSlide21.xml><?xml version="1.0" encoding="utf-8"?>
+<p:notes xmlns:a="http://schemas.openxmlformats.org/drawingml/2006/main" xmlns:r="http://schemas.openxmlformats.org/officeDocument/2006/relationships" xmlns:p="http://schemas.openxmlformats.org/presentationml/2006/main">
+  <p:cSld>
+    <p:spTree>
+      <p:nvGrpSpPr>
+        <p:cNvPr id="1" name=""/>
+        <p:cNvGrpSpPr/>
+        <p:nvPr/>
+      </p:nvGrpSpPr>
+      <p:grpSpPr>
+        <a:xfrm>
+          <a:off x="0" y="0"/>
+          <a:ext cx="0" cy="0"/>
+          <a:chOff x="0" y="0"/>
+          <a:chExt cx="0" cy="0"/>
+        </a:xfrm>
+      </p:grpSpPr>
+      <p:sp>
+        <p:nvSpPr>
+          <p:cNvPr id="2" name="Slide Image Placeholder 1"/>
+          <p:cNvSpPr>
+            <a:spLocks noGrp="1" noRot="1" noChangeAspect="1"/>
+          </p:cNvSpPr>
+          <p:nvPr>
+            <p:ph type="sldImg"/>
+          </p:nvPr>
+        </p:nvSpPr>
+        <p:spPr/>
+      </p:sp>
+      <p:sp>
+        <p:nvSpPr>
+          <p:cNvPr id="3" name="Notes Placeholder 2"/>
+          <p:cNvSpPr>
+            <a:spLocks noGrp="1"/>
+          </p:cNvSpPr>
+          <p:nvPr>
+            <p:ph type="body" idx="1"/>
+          </p:nvPr>
+        </p:nvSpPr>
+        <p:spPr/>
+        <p:txBody>
+          <a:bodyPr>
+            <a:normAutofit/>
+          </a:bodyPr>
+          <a:lstStyle/>
+          <a:p>
+            <a:r>
+              <a:rPr lang="en-US" dirty="0" smtClean="0"/>
+              <a:t>In Apache CXF,</a:t>
+            </a:r>
+            <a:r>
+              <a:rPr lang="en-US" baseline="0" dirty="0" smtClean="0"/>
+              <a:t> the text and metadata extraction using Apache </a:t>
+            </a:r>
+            <a:r>
+              <a:rPr lang="en-US" baseline="0" dirty="0" err="1" smtClean="0"/>
+              <a:t>Tika</a:t>
+            </a:r>
+            <a:r>
+              <a:rPr lang="en-US" baseline="0" dirty="0" smtClean="0"/>
+              <a:t> is encapsulated inside </a:t>
+            </a:r>
+            <a:r>
+              <a:rPr lang="en-US" b="1" dirty="0" err="1" smtClean="0"/>
+              <a:t>TikaContentExtractor</a:t>
+            </a:r>
+            <a:r>
+              <a:rPr lang="en-US" dirty="0" smtClean="0"/>
+              <a:t> class</a:t>
+            </a:r>
+            <a:r>
+              <a:rPr lang="en-US" baseline="0" dirty="0" smtClean="0"/>
+              <a:t> (with </a:t>
+            </a:r>
+            <a:r>
+              <a:rPr lang="en-US" b="1" dirty="0" err="1" smtClean="0"/>
+              <a:t>TikaContent</a:t>
+            </a:r>
+            <a:r>
+              <a:rPr lang="en-US" baseline="0" dirty="0" smtClean="0"/>
+              <a:t> class being </a:t>
+            </a:r>
+            <a:r>
+              <a:rPr lang="en-US" baseline="0" dirty="0" smtClean="0"/>
+              <a:t>generic representation of raw text and metadata, extracted </a:t>
+            </a:r>
+            <a:r>
+              <a:rPr lang="en-US" baseline="0" dirty="0" smtClean="0"/>
+              <a:t>from </a:t>
+            </a:r>
+            <a:r>
+              <a:rPr lang="en-US" baseline="0" dirty="0" smtClean="0"/>
+              <a:t>the </a:t>
+            </a:r>
+            <a:r>
+              <a:rPr lang="en-US" baseline="0" dirty="0" smtClean="0"/>
+              <a:t>file). </a:t>
+            </a:r>
+            <a:r>
+              <a:rPr lang="en-US" b="1" baseline="0" dirty="0" err="1" smtClean="0"/>
+              <a:t>TikaLucene</a:t>
+            </a:r>
+            <a:r>
+              <a:rPr lang="en-US" b="1" dirty="0" err="1" smtClean="0"/>
+              <a:t>ContentExtractor</a:t>
+            </a:r>
+            <a:r>
+              <a:rPr lang="en-US" baseline="0" dirty="0" smtClean="0"/>
+              <a:t> is built on top of </a:t>
+            </a:r>
+            <a:r>
+              <a:rPr lang="en-US" b="1" dirty="0" err="1" smtClean="0"/>
+              <a:t>TikaContentExtractor</a:t>
+            </a:r>
+            <a:r>
+              <a:rPr lang="en-US" dirty="0" smtClean="0"/>
+              <a:t> and</a:t>
+            </a:r>
+            <a:r>
+              <a:rPr lang="en-US" baseline="0" dirty="0" smtClean="0"/>
+              <a:t> returns prepared Apache </a:t>
+            </a:r>
+            <a:r>
+              <a:rPr lang="en-US" baseline="0" dirty="0" err="1" smtClean="0"/>
+              <a:t>Lucene</a:t>
+            </a:r>
+            <a:r>
+              <a:rPr lang="en-US" baseline="0" dirty="0" smtClean="0"/>
+              <a:t> </a:t>
+            </a:r>
+            <a:r>
+              <a:rPr lang="en-US" baseline="0" dirty="0" smtClean="0"/>
+              <a:t>document, which could be indexed right </a:t>
+            </a:r>
+            <a:r>
+              <a:rPr lang="en-US" baseline="0" dirty="0" smtClean="0"/>
+              <a:t>away (however document could be </a:t>
+            </a:r>
+            <a:r>
+              <a:rPr lang="en-US" baseline="0" smtClean="0"/>
+              <a:t>customized/modified before).</a:t>
+            </a:r>
+            <a:endParaRPr lang="en-US" dirty="0"/>
+          </a:p>
+        </p:txBody>
+      </p:sp>
+      <p:sp>
+        <p:nvSpPr>
+          <p:cNvPr id="4" name="Slide Number Placeholder 3"/>
+          <p:cNvSpPr>
+            <a:spLocks noGrp="1"/>
+          </p:cNvSpPr>
+          <p:nvPr>
+            <p:ph type="sldNum" sz="quarter" idx="10"/>
+          </p:nvPr>
+        </p:nvSpPr>
+        <p:spPr/>
+        <p:txBody>
+          <a:bodyPr/>
+          <a:lstStyle/>
+          <a:p>
+            <a:fld id="{A6EF3A1D-1CB9-41EE-AA84-2B6F8C20BD34}" type="slidenum">
+              <a:rPr lang="en-US" smtClean="0"/>
+              <a:pPr/>
+              <a:t>22</a:t>
+            </a:fld>
+            <a:endParaRPr lang="en-US"/>
+          </a:p>
+        </p:txBody>
+      </p:sp>
+    </p:spTree>
+  </p:cSld>
+  <p:clrMapOvr>
+    <a:masterClrMapping/>
+  </p:clrMapOvr>
+</p:notes>
+</file>
+
+<file path=ppt/notesSlides/notesSlide22.xml><?xml version="1.0" encoding="utf-8"?>
 <p:notes xmlns:a="http://schemas.openxmlformats.org/drawingml/2006/main" xmlns:r="http://schemas.openxmlformats.org/officeDocument/2006/relationships" xmlns:p="http://schemas.openxmlformats.org/presentationml/2006/main">
   <p:cSld>
     <p:spTree>
@@ -11391,7 +11563,7 @@
           <p:nvPr/>
         </p:nvPicPr>
         <p:blipFill>
-          <a:blip r:embed="rId2" cstate="print"/>
+          <a:blip r:embed="rId3" cstate="print"/>
           <a:srcRect/>
           <a:stretch>
             <a:fillRect/>

--- a/slides/Apache CXF, Tika and Lucene.pptx
+++ b/slides/Apache CXF, Tika and Lucene.pptx
@@ -547,11 +547,7 @@
             </a:r>
             <a:r>
               <a:rPr lang="en-US" baseline="0" dirty="0" smtClean="0"/>
-              <a:t> talk is about a quick and easy way of integrating full-fledged search capabilities into typical JAX-RS applications, built on top of excellent Apache CXF framework</a:t>
-            </a:r>
-            <a:r>
-              <a:rPr lang="en-US" baseline="0" dirty="0" smtClean="0"/>
-              <a:t>. This talk assumes that you have some basic knowledge of JAX-RS services and Apache </a:t>
+              <a:t> talk is about a quick and easy way of integrating full-fledged search capabilities into typical JAX-RS applications, built on top of excellent Apache CXF framework. This talk assumes that you have some basic knowledge of JAX-RS services and Apache </a:t>
             </a:r>
             <a:r>
               <a:rPr lang="en-US" baseline="0" dirty="0" err="1" smtClean="0"/>
@@ -2067,23 +2063,7 @@
             </a:r>
             <a:r>
               <a:rPr lang="en-US" baseline="0" dirty="0" smtClean="0"/>
-              <a:t> class being </a:t>
-            </a:r>
-            <a:r>
-              <a:rPr lang="en-US" baseline="0" dirty="0" smtClean="0"/>
-              <a:t>generic representation of raw text and metadata, extracted </a:t>
-            </a:r>
-            <a:r>
-              <a:rPr lang="en-US" baseline="0" dirty="0" smtClean="0"/>
-              <a:t>from </a:t>
-            </a:r>
-            <a:r>
-              <a:rPr lang="en-US" baseline="0" dirty="0" smtClean="0"/>
-              <a:t>the </a:t>
-            </a:r>
-            <a:r>
-              <a:rPr lang="en-US" baseline="0" dirty="0" smtClean="0"/>
-              <a:t>file). </a:t>
+              <a:t> class being generic representation of raw text and metadata, extracted from the file). </a:t>
             </a:r>
             <a:r>
               <a:rPr lang="en-US" b="1" baseline="0" dirty="0" err="1" smtClean="0"/>
@@ -2115,15 +2095,7 @@
             </a:r>
             <a:r>
               <a:rPr lang="en-US" baseline="0" dirty="0" smtClean="0"/>
-              <a:t> </a:t>
-            </a:r>
-            <a:r>
-              <a:rPr lang="en-US" baseline="0" dirty="0" smtClean="0"/>
-              <a:t>document, which could be indexed right </a:t>
-            </a:r>
-            <a:r>
-              <a:rPr lang="en-US" baseline="0" dirty="0" smtClean="0"/>
-              <a:t>away (however document could be </a:t>
+              <a:t> document, which could be indexed right away (however document could be </a:t>
             </a:r>
             <a:r>
               <a:rPr lang="en-US" baseline="0" smtClean="0"/>
@@ -2213,7 +2185,255 @@
           <a:p>
             <a:r>
               <a:rPr lang="en-US" dirty="0" smtClean="0"/>
-              <a:t>[Draft]</a:t>
+              <a:t>Lastly, with text and</a:t>
+            </a:r>
+            <a:r>
+              <a:rPr lang="en-US" baseline="0" dirty="0" smtClean="0"/>
+              <a:t> metadata extracted and wrapped into Apache </a:t>
+            </a:r>
+            <a:r>
+              <a:rPr lang="en-US" baseline="0" dirty="0" err="1" smtClean="0"/>
+              <a:t>Lucene</a:t>
+            </a:r>
+            <a:r>
+              <a:rPr lang="en-US" baseline="0" dirty="0" smtClean="0"/>
+              <a:t> document, it is time to feed it into index. With that, the demo time!</a:t>
+            </a:r>
+            <a:endParaRPr lang="en-US" dirty="0"/>
+          </a:p>
+        </p:txBody>
+      </p:sp>
+      <p:sp>
+        <p:nvSpPr>
+          <p:cNvPr id="4" name="Slide Number Placeholder 3"/>
+          <p:cNvSpPr>
+            <a:spLocks noGrp="1"/>
+          </p:cNvSpPr>
+          <p:nvPr>
+            <p:ph type="sldNum" sz="quarter" idx="10"/>
+          </p:nvPr>
+        </p:nvSpPr>
+        <p:spPr/>
+        <p:txBody>
+          <a:bodyPr/>
+          <a:lstStyle/>
+          <a:p>
+            <a:fld id="{A6EF3A1D-1CB9-41EE-AA84-2B6F8C20BD34}" type="slidenum">
+              <a:rPr lang="en-US" smtClean="0"/>
+              <a:pPr/>
+              <a:t>23</a:t>
+            </a:fld>
+            <a:endParaRPr lang="en-US"/>
+          </a:p>
+        </p:txBody>
+      </p:sp>
+    </p:spTree>
+  </p:cSld>
+  <p:clrMapOvr>
+    <a:masterClrMapping/>
+  </p:clrMapOvr>
+</p:notes>
+</file>
+
+<file path=ppt/notesSlides/notesSlide23.xml><?xml version="1.0" encoding="utf-8"?>
+<p:notes xmlns:a="http://schemas.openxmlformats.org/drawingml/2006/main" xmlns:r="http://schemas.openxmlformats.org/officeDocument/2006/relationships" xmlns:p="http://schemas.openxmlformats.org/presentationml/2006/main">
+  <p:cSld>
+    <p:spTree>
+      <p:nvGrpSpPr>
+        <p:cNvPr id="1" name=""/>
+        <p:cNvGrpSpPr/>
+        <p:nvPr/>
+      </p:nvGrpSpPr>
+      <p:grpSpPr>
+        <a:xfrm>
+          <a:off x="0" y="0"/>
+          <a:ext cx="0" cy="0"/>
+          <a:chOff x="0" y="0"/>
+          <a:chExt cx="0" cy="0"/>
+        </a:xfrm>
+      </p:grpSpPr>
+      <p:sp>
+        <p:nvSpPr>
+          <p:cNvPr id="2" name="Slide Image Placeholder 1"/>
+          <p:cNvSpPr>
+            <a:spLocks noGrp="1" noRot="1" noChangeAspect="1"/>
+          </p:cNvSpPr>
+          <p:nvPr>
+            <p:ph type="sldImg"/>
+          </p:nvPr>
+        </p:nvSpPr>
+        <p:spPr/>
+      </p:sp>
+      <p:sp>
+        <p:nvSpPr>
+          <p:cNvPr id="3" name="Notes Placeholder 2"/>
+          <p:cNvSpPr>
+            <a:spLocks noGrp="1"/>
+          </p:cNvSpPr>
+          <p:nvPr>
+            <p:ph type="body" idx="1"/>
+          </p:nvPr>
+        </p:nvSpPr>
+        <p:spPr/>
+        <p:txBody>
+          <a:bodyPr>
+            <a:normAutofit/>
+          </a:bodyPr>
+          <a:lstStyle/>
+          <a:p>
+            <a:r>
+              <a:rPr lang="en-US" dirty="0" smtClean="0"/>
+              <a:t>The search extension is highly configurable</a:t>
+            </a:r>
+            <a:r>
+              <a:rPr lang="en-US" baseline="0" dirty="0" smtClean="0"/>
+              <a:t>. The customizations points include (but not limited to) the parser to be used (</a:t>
+            </a:r>
+            <a:r>
+              <a:rPr lang="en-US" b="1" baseline="0" dirty="0" err="1" smtClean="0"/>
+              <a:t>ODataParser</a:t>
+            </a:r>
+            <a:r>
+              <a:rPr lang="en-US" baseline="0" dirty="0" smtClean="0"/>
+              <a:t> or </a:t>
+            </a:r>
+            <a:r>
+              <a:rPr lang="en-US" b="1" baseline="0" dirty="0" err="1" smtClean="0"/>
+              <a:t>FIQLParser</a:t>
+            </a:r>
+            <a:r>
+              <a:rPr lang="en-US" baseline="0" dirty="0" smtClean="0"/>
+              <a:t>), the name of query string parameter (by default </a:t>
+            </a:r>
+            <a:r>
+              <a:rPr lang="en-US" b="1" baseline="0" dirty="0" smtClean="0"/>
+              <a:t>_s</a:t>
+            </a:r>
+            <a:r>
+              <a:rPr lang="en-US" baseline="0" dirty="0" smtClean="0"/>
+              <a:t> or </a:t>
+            </a:r>
+            <a:r>
+              <a:rPr lang="en-US" b="1" baseline="0" dirty="0" smtClean="0"/>
+              <a:t>_search</a:t>
+            </a:r>
+            <a:r>
+              <a:rPr lang="en-US" baseline="0" dirty="0" smtClean="0"/>
+              <a:t>), date/time format.</a:t>
+            </a:r>
+            <a:endParaRPr lang="en-US" dirty="0"/>
+          </a:p>
+        </p:txBody>
+      </p:sp>
+      <p:sp>
+        <p:nvSpPr>
+          <p:cNvPr id="4" name="Slide Number Placeholder 3"/>
+          <p:cNvSpPr>
+            <a:spLocks noGrp="1"/>
+          </p:cNvSpPr>
+          <p:nvPr>
+            <p:ph type="sldNum" sz="quarter" idx="10"/>
+          </p:nvPr>
+        </p:nvSpPr>
+        <p:spPr/>
+        <p:txBody>
+          <a:bodyPr/>
+          <a:lstStyle/>
+          <a:p>
+            <a:fld id="{A6EF3A1D-1CB9-41EE-AA84-2B6F8C20BD34}" type="slidenum">
+              <a:rPr lang="en-US" smtClean="0"/>
+              <a:pPr/>
+              <a:t>26</a:t>
+            </a:fld>
+            <a:endParaRPr lang="en-US"/>
+          </a:p>
+        </p:txBody>
+      </p:sp>
+    </p:spTree>
+  </p:cSld>
+  <p:clrMapOvr>
+    <a:masterClrMapping/>
+  </p:clrMapOvr>
+</p:notes>
+</file>
+
+<file path=ppt/notesSlides/notesSlide24.xml><?xml version="1.0" encoding="utf-8"?>
+<p:notes xmlns:a="http://schemas.openxmlformats.org/drawingml/2006/main" xmlns:r="http://schemas.openxmlformats.org/officeDocument/2006/relationships" xmlns:p="http://schemas.openxmlformats.org/presentationml/2006/main">
+  <p:cSld>
+    <p:spTree>
+      <p:nvGrpSpPr>
+        <p:cNvPr id="1" name=""/>
+        <p:cNvGrpSpPr/>
+        <p:nvPr/>
+      </p:nvGrpSpPr>
+      <p:grpSpPr>
+        <a:xfrm>
+          <a:off x="0" y="0"/>
+          <a:ext cx="0" cy="0"/>
+          <a:chOff x="0" y="0"/>
+          <a:chExt cx="0" cy="0"/>
+        </a:xfrm>
+      </p:grpSpPr>
+      <p:sp>
+        <p:nvSpPr>
+          <p:cNvPr id="2" name="Slide Image Placeholder 1"/>
+          <p:cNvSpPr>
+            <a:spLocks noGrp="1" noRot="1" noChangeAspect="1"/>
+          </p:cNvSpPr>
+          <p:nvPr>
+            <p:ph type="sldImg"/>
+          </p:nvPr>
+        </p:nvSpPr>
+        <p:spPr/>
+      </p:sp>
+      <p:sp>
+        <p:nvSpPr>
+          <p:cNvPr id="3" name="Notes Placeholder 2"/>
+          <p:cNvSpPr>
+            <a:spLocks noGrp="1"/>
+          </p:cNvSpPr>
+          <p:nvPr>
+            <p:ph type="body" idx="1"/>
+          </p:nvPr>
+        </p:nvSpPr>
+        <p:spPr/>
+        <p:txBody>
+          <a:bodyPr>
+            <a:normAutofit/>
+          </a:bodyPr>
+          <a:lstStyle/>
+          <a:p>
+            <a:r>
+              <a:rPr lang="en-US" b="1" dirty="0" err="1" smtClean="0"/>
+              <a:t>ElasticSearch</a:t>
+            </a:r>
+            <a:r>
+              <a:rPr lang="en-US" baseline="0" dirty="0" smtClean="0"/>
+              <a:t> got a lot of traction in last couple of years and has become a very popular choice nowadays as full-fledge and scalable search engine. </a:t>
+            </a:r>
+            <a:r>
+              <a:rPr lang="en-US" b="1" baseline="0" dirty="0" smtClean="0"/>
+              <a:t>Apache </a:t>
+            </a:r>
+            <a:r>
+              <a:rPr lang="en-US" b="1" baseline="0" dirty="0" err="1" smtClean="0"/>
+              <a:t>Solr</a:t>
+            </a:r>
+            <a:r>
+              <a:rPr lang="en-US" baseline="0" dirty="0" smtClean="0"/>
+              <a:t> is an old kind on the block: quite mature and well-known search platform of enterprise level. Both products have a very rich set of features and built on top of </a:t>
+            </a:r>
+            <a:r>
+              <a:rPr lang="en-US" b="1" baseline="0" dirty="0" smtClean="0"/>
+              <a:t>Apache </a:t>
+            </a:r>
+            <a:r>
+              <a:rPr lang="en-US" b="1" baseline="0" dirty="0" err="1" smtClean="0"/>
+              <a:t>Lucene</a:t>
+            </a:r>
+            <a:r>
+              <a:rPr lang="en-US" baseline="0" dirty="0" smtClean="0"/>
+              <a:t> though among the similarities there are differences. Those are best in class solutions, but they come at a cost of maintaining own infrastructure which is not always necessary. Not every application really needs this power.</a:t>
             </a:r>
             <a:endParaRPr lang="en-US" dirty="0"/>
           </a:p>
@@ -6459,19 +6679,7 @@
           <a:p>
             <a:r>
               <a:rPr lang="en-US" dirty="0" smtClean="0"/>
-              <a:t>Search conditions are </a:t>
-            </a:r>
-            <a:r>
-              <a:rPr lang="en-US" dirty="0" smtClean="0"/>
-              <a:t>type-safe </a:t>
-            </a:r>
-            <a:r>
-              <a:rPr lang="en-US" dirty="0" smtClean="0"/>
-              <a:t>but also support key/value </a:t>
-            </a:r>
-            <a:r>
-              <a:rPr lang="en-US" dirty="0" smtClean="0"/>
-              <a:t>map (aka </a:t>
+              <a:t>Search conditions are type-safe but also support key/value map (aka </a:t>
             </a:r>
             <a:r>
               <a:rPr lang="en-US" b="1" dirty="0" err="1" smtClean="0">
@@ -6488,7 +6696,6 @@
               <a:rPr lang="en-US" dirty="0" smtClean="0"/>
               <a:t>)</a:t>
             </a:r>
-            <a:endParaRPr lang="en-US" dirty="0" smtClean="0"/>
           </a:p>
           <a:p>
             <a:endParaRPr lang="en-US" dirty="0"/>
@@ -8877,11 +9084,7 @@
             </a:r>
             <a:r>
               <a:rPr lang="en-US" sz="3200" dirty="0" smtClean="0"/>
-              <a:t> </a:t>
-            </a:r>
-            <a:r>
-              <a:rPr lang="en-US" sz="3200" dirty="0" smtClean="0"/>
-              <a:t>(analyzer dependent)</a:t>
+              <a:t> (analyzer dependent)</a:t>
             </a:r>
             <a:endParaRPr lang="en-US" sz="3200" b="1" dirty="0"/>
           </a:p>
@@ -12735,8 +12938,8 @@
         </p:nvSpPr>
         <p:spPr bwMode="auto">
           <a:xfrm>
-            <a:off x="827584" y="2780928"/>
-            <a:ext cx="8064896" cy="3046988"/>
+            <a:off x="827584" y="2657818"/>
+            <a:ext cx="8064896" cy="3293209"/>
           </a:xfrm>
           <a:prstGeom prst="rect">
             <a:avLst/>
@@ -13045,6 +13248,116 @@
             </a:endParaRPr>
           </a:p>
           <a:p>
+            <a:pPr eaLnBrk="0" fontAlgn="base" hangingPunct="0">
+              <a:spcBef>
+                <a:spcPct val="0"/>
+              </a:spcBef>
+              <a:spcAft>
+                <a:spcPct val="0"/>
+              </a:spcAft>
+            </a:pPr>
+            <a:r>
+              <a:rPr lang="en-US" sz="1600" b="1" dirty="0" smtClean="0">
+                <a:solidFill>
+                  <a:srgbClr val="7F0055"/>
+                </a:solidFill>
+                <a:latin typeface="Consolas" pitchFamily="49" charset="0"/>
+                <a:ea typeface="Calibri" pitchFamily="34" charset="0"/>
+                <a:cs typeface="Consolas" pitchFamily="49" charset="0"/>
+              </a:rPr>
+              <a:t>final</a:t>
+            </a:r>
+            <a:r>
+              <a:rPr lang="en-US" sz="1600" dirty="0" smtClean="0">
+                <a:solidFill>
+                  <a:srgbClr val="000000"/>
+                </a:solidFill>
+                <a:latin typeface="Consolas" pitchFamily="49" charset="0"/>
+                <a:ea typeface="Calibri" pitchFamily="34" charset="0"/>
+                <a:cs typeface="Consolas" pitchFamily="49" charset="0"/>
+              </a:rPr>
+              <a:t> </a:t>
+            </a:r>
+            <a:r>
+              <a:rPr lang="en-US" sz="1600" dirty="0" err="1" smtClean="0">
+                <a:solidFill>
+                  <a:srgbClr val="000000"/>
+                </a:solidFill>
+                <a:latin typeface="Consolas" pitchFamily="49" charset="0"/>
+                <a:ea typeface="Calibri" pitchFamily="34" charset="0"/>
+                <a:cs typeface="Consolas" pitchFamily="49" charset="0"/>
+              </a:rPr>
+              <a:t>InputStream</a:t>
+            </a:r>
+            <a:r>
+              <a:rPr lang="en-US" sz="1600" dirty="0" smtClean="0">
+                <a:solidFill>
+                  <a:srgbClr val="000000"/>
+                </a:solidFill>
+                <a:latin typeface="Consolas" pitchFamily="49" charset="0"/>
+                <a:ea typeface="Calibri" pitchFamily="34" charset="0"/>
+                <a:cs typeface="Consolas" pitchFamily="49" charset="0"/>
+              </a:rPr>
+              <a:t> </a:t>
+            </a:r>
+            <a:r>
+              <a:rPr lang="en-US" sz="1600" dirty="0" smtClean="0">
+                <a:solidFill>
+                  <a:srgbClr val="6A3E3E"/>
+                </a:solidFill>
+                <a:latin typeface="Consolas" pitchFamily="49" charset="0"/>
+                <a:ea typeface="Calibri" pitchFamily="34" charset="0"/>
+                <a:cs typeface="Consolas" pitchFamily="49" charset="0"/>
+              </a:rPr>
+              <a:t>in</a:t>
+            </a:r>
+            <a:r>
+              <a:rPr lang="en-US" sz="1600" dirty="0" smtClean="0">
+                <a:solidFill>
+                  <a:srgbClr val="000000"/>
+                </a:solidFill>
+                <a:latin typeface="Consolas" pitchFamily="49" charset="0"/>
+                <a:ea typeface="Calibri" pitchFamily="34" charset="0"/>
+                <a:cs typeface="Consolas" pitchFamily="49" charset="0"/>
+              </a:rPr>
+              <a:t> </a:t>
+            </a:r>
+            <a:r>
+              <a:rPr lang="en-US" sz="1600" dirty="0" smtClean="0">
+                <a:solidFill>
+                  <a:srgbClr val="000000"/>
+                </a:solidFill>
+                <a:latin typeface="Consolas" pitchFamily="49" charset="0"/>
+                <a:ea typeface="Calibri" pitchFamily="34" charset="0"/>
+                <a:cs typeface="Consolas" pitchFamily="49" charset="0"/>
+              </a:rPr>
+              <a:t>= </a:t>
+            </a:r>
+            <a:r>
+              <a:rPr lang="en-US" sz="1600" dirty="0" smtClean="0">
+                <a:solidFill>
+                  <a:srgbClr val="000000"/>
+                </a:solidFill>
+                <a:latin typeface="Consolas" pitchFamily="49" charset="0"/>
+                <a:ea typeface="Calibri" pitchFamily="34" charset="0"/>
+                <a:cs typeface="Consolas" pitchFamily="49" charset="0"/>
+              </a:rPr>
+              <a:t>...;</a:t>
+            </a:r>
+            <a:endParaRPr kumimoji="0" lang="en-US" sz="1600" b="1" i="0" u="none" strike="noStrike" cap="none" normalizeH="0" baseline="0" dirty="0" smtClean="0">
+              <a:ln>
+                <a:noFill/>
+              </a:ln>
+              <a:solidFill>
+                <a:srgbClr val="7F0055"/>
+              </a:solidFill>
+              <a:effectLst/>
+              <a:latin typeface="Consolas" pitchFamily="49" charset="0"/>
+              <a:ea typeface="Calibri" pitchFamily="34" charset="0"/>
+              <a:cs typeface="Consolas" pitchFamily="49" charset="0"/>
+            </a:endParaRPr>
+          </a:p>
+          <a:p>
             <a:pPr marL="0" marR="0" lvl="0" indent="0" algn="l" defTabSz="914400" rtl="0" eaLnBrk="0" fontAlgn="base" latinLnBrk="0" hangingPunct="0">
               <a:lnSpc>
                 <a:spcPct val="100000"/>
@@ -13089,7 +13402,22 @@
                 <a:ea typeface="Calibri" pitchFamily="34" charset="0"/>
                 <a:cs typeface="Consolas" pitchFamily="49" charset="0"/>
               </a:rPr>
-              <a:t> Document </a:t>
+              <a:t> </a:t>
+            </a:r>
+            <a:r>
+              <a:rPr kumimoji="0" lang="en-US" sz="1600" b="0" i="0" u="none" strike="noStrike" cap="none" normalizeH="0" baseline="0" dirty="0" smtClean="0">
+                <a:ln>
+                  <a:noFill/>
+                </a:ln>
+                <a:solidFill>
+                  <a:srgbClr val="000000"/>
+                </a:solidFill>
+                <a:effectLst/>
+                <a:latin typeface="Consolas" pitchFamily="49" charset="0"/>
+                <a:ea typeface="Calibri" pitchFamily="34" charset="0"/>
+                <a:cs typeface="Consolas" pitchFamily="49" charset="0"/>
+              </a:rPr>
+              <a:t>Document </a:t>
             </a:r>
             <a:r>
               <a:rPr kumimoji="0" lang="en-US" sz="1600" b="0" i="0" u="none" strike="noStrike" cap="none" normalizeH="0" baseline="0" dirty="0" err="1" smtClean="0">
@@ -14404,7 +14732,7 @@
         <p:spPr/>
         <p:txBody>
           <a:bodyPr>
-            <a:normAutofit/>
+            <a:normAutofit fontScale="92500" lnSpcReduction="10000"/>
           </a:bodyPr>
           <a:lstStyle/>
           <a:p>
@@ -14444,7 +14772,7 @@
             <a:endParaRPr lang="en-US" dirty="0" smtClean="0"/>
           </a:p>
           <a:p>
-            <a:endParaRPr lang="en-US" dirty="0" smtClean="0"/>
+            <a:endParaRPr lang="en-US" sz="3500" dirty="0" smtClean="0"/>
           </a:p>
           <a:p>
             <a:r>
@@ -14456,7 +14784,19 @@
             <a:endParaRPr lang="en-US" dirty="0" smtClean="0"/>
           </a:p>
           <a:p>
-            <a:endParaRPr lang="en-US" dirty="0"/>
+            <a:r>
+              <a:rPr lang="en-US" dirty="0" smtClean="0">
+                <a:hlinkClick r:id="rId7"/>
+              </a:rPr>
+              <a:t>http://</a:t>
+            </a:r>
+            <a:r>
+              <a:rPr lang="en-US" dirty="0" smtClean="0">
+                <a:hlinkClick r:id="rId7"/>
+              </a:rPr>
+              <a:t>jaxenter.com/tutorial-smarter-search-with-fiql-and-apache-cxf-106000.html</a:t>
+            </a:r>
+            <a:endParaRPr lang="en-US" dirty="0" smtClean="0"/>
           </a:p>
         </p:txBody>
       </p:sp>
